--- a/aop.pptx
+++ b/aop.pptx
@@ -2,22 +2,25 @@
 <file path=ppt/presentation.xml><?xml version="1.0" encoding="utf-8"?>
 <p:presentation xmlns:a="http://schemas.openxmlformats.org/drawingml/2006/main" xmlns:r="http://schemas.openxmlformats.org/officeDocument/2006/relationships" xmlns:p="http://schemas.openxmlformats.org/presentationml/2006/main">
   <p:sldMasterIdLst>
-    <p:sldMasterId id="2147483648" r:id="rId5"/>
+    <p:sldMasterId id="2147483648" r:id="rId1"/>
   </p:sldMasterIdLst>
   <p:notesMasterIdLst>
-    <p:notesMasterId r:id="rId7"/>
+    <p:notesMasterId r:id="rId15"/>
   </p:notesMasterIdLst>
   <p:sldIdLst>
-    <p:sldId id="256" r:id="rId8"/>
-    <p:sldId id="257" r:id="rId9"/>
-    <p:sldId id="258" r:id="rId10"/>
-    <p:sldId id="259" r:id="rId11"/>
-    <p:sldId id="260" r:id="rId12"/>
-    <p:sldId id="261" r:id="rId13"/>
-    <p:sldId id="262" r:id="rId14"/>
-    <p:sldId id="263" r:id="rId15"/>
-    <p:sldId id="264" r:id="rId16"/>
-    <p:sldId id="265" r:id="rId17"/>
+    <p:sldId id="256" r:id="rId2"/>
+    <p:sldId id="257" r:id="rId3"/>
+    <p:sldId id="264" r:id="rId4"/>
+    <p:sldId id="266" r:id="rId5"/>
+    <p:sldId id="258" r:id="rId6"/>
+    <p:sldId id="259" r:id="rId7"/>
+    <p:sldId id="267" r:id="rId8"/>
+    <p:sldId id="260" r:id="rId9"/>
+    <p:sldId id="263" r:id="rId10"/>
+    <p:sldId id="265" r:id="rId11"/>
+    <p:sldId id="268" r:id="rId12"/>
+    <p:sldId id="269" r:id="rId13"/>
+    <p:sldId id="270" r:id="rId14"/>
   </p:sldIdLst>
   <p:sldSz cx="24384000" cy="13716000"/>
   <p:notesSz cx="6858000" cy="9144000"/>
@@ -125,13 +128,14 @@
 </p:presentation>
 </file>
 
-<file path=ppt/commentAuthors.xml><?xml version="1.0" encoding="utf-8"?>
-<p:cmAuthorLst xmlns:a="http://schemas.openxmlformats.org/drawingml/2006/main" xmlns:r="http://schemas.openxmlformats.org/officeDocument/2006/relationships" xmlns:p="http://schemas.openxmlformats.org/presentationml/2006/main"/>
-</file>
-
 <file path=ppt/notesMasters/notesMaster1.xml><?xml version="1.0" encoding="utf-8"?>
 <p:notesMaster xmlns:a="http://schemas.openxmlformats.org/drawingml/2006/main" xmlns:r="http://schemas.openxmlformats.org/officeDocument/2006/relationships" xmlns:p="http://schemas.openxmlformats.org/presentationml/2006/main">
   <p:cSld>
+    <p:bg>
+      <p:bgRef idx="1001">
+        <a:schemeClr val="bg1"/>
+      </p:bgRef>
+    </p:bg>
     <p:spTree>
       <p:nvGrpSpPr>
         <p:cNvPr id="1" name=""/>
@@ -149,7 +153,9 @@
       <p:sp>
         <p:nvSpPr>
           <p:cNvPr id="54" name="Shape 54"/>
-          <p:cNvSpPr/>
+          <p:cNvSpPr>
+            <a:spLocks noGrp="1" noRot="1" noChangeAspect="1"/>
+          </p:cNvSpPr>
           <p:nvPr>
             <p:ph type="sldImg"/>
           </p:nvPr>
@@ -168,13 +174,16 @@
           <a:lstStyle/>
           <a:p>
             <a:pPr lvl="0"/>
+            <a:endParaRPr/>
           </a:p>
         </p:txBody>
       </p:sp>
       <p:sp>
         <p:nvSpPr>
           <p:cNvPr id="55" name="Shape 55"/>
-          <p:cNvSpPr/>
+          <p:cNvSpPr>
+            <a:spLocks noGrp="1"/>
+          </p:cNvSpPr>
           <p:nvPr>
             <p:ph type="body" sz="quarter" idx="1"/>
           </p:nvPr>
@@ -193,6 +202,7 @@
           <a:lstStyle/>
           <a:p>
             <a:pPr lvl="0"/>
+            <a:endParaRPr/>
           </a:p>
         </p:txBody>
       </p:sp>
@@ -304,7 +314,7 @@
 </file>
 
 <file path=ppt/slideLayouts/slideLayout1.xml><?xml version="1.0" encoding="utf-8"?>
-<p:sldLayout xmlns:a="http://schemas.openxmlformats.org/drawingml/2006/main" xmlns:r="http://schemas.openxmlformats.org/officeDocument/2006/relationships" xmlns:p="http://schemas.openxmlformats.org/presentationml/2006/main" type="tx" showMasterSp="0" showMasterPhAnim="1">
+<p:sldLayout xmlns:a="http://schemas.openxmlformats.org/drawingml/2006/main" xmlns:r="http://schemas.openxmlformats.org/officeDocument/2006/relationships" xmlns:p="http://schemas.openxmlformats.org/presentationml/2006/main" showMasterSp="0" type="tx">
   <p:cSld name="标题与副标题">
     <p:spTree>
       <p:nvGrpSpPr>
@@ -351,7 +361,7 @@
             </a:cxnLst>
             <a:rect l="0" t="0" r="r" b="b"/>
             <a:pathLst>
-              <a:path w="21600" h="0" fill="norm" stroke="1" extrusionOk="0">
+              <a:path w="21600" extrusionOk="0">
                 <a:moveTo>
                   <a:pt x="0" y="0"/>
                 </a:moveTo>
@@ -392,6 +402,7 @@
                 <a:sym typeface="Helvetica"/>
               </a:defRPr>
             </a:pPr>
+            <a:endParaRPr/>
           </a:p>
         </p:txBody>
       </p:sp>
@@ -426,7 +437,7 @@
             </a:cxnLst>
             <a:rect l="0" t="0" r="r" b="b"/>
             <a:pathLst>
-              <a:path w="21600" h="0" fill="norm" stroke="1" extrusionOk="0">
+              <a:path w="21600" extrusionOk="0">
                 <a:moveTo>
                   <a:pt x="0" y="0"/>
                 </a:moveTo>
@@ -467,6 +478,7 @@
                 <a:sym typeface="Helvetica"/>
               </a:defRPr>
             </a:pPr>
+            <a:endParaRPr/>
           </a:p>
         </p:txBody>
       </p:sp>
@@ -501,7 +513,7 @@
             </a:cxnLst>
             <a:rect l="0" t="0" r="r" b="b"/>
             <a:pathLst>
-              <a:path w="21600" h="0" fill="norm" stroke="1" extrusionOk="0">
+              <a:path w="21600" extrusionOk="0">
                 <a:moveTo>
                   <a:pt x="0" y="0"/>
                 </a:moveTo>
@@ -542,13 +554,16 @@
                 <a:sym typeface="Helvetica"/>
               </a:defRPr>
             </a:pPr>
+            <a:endParaRPr/>
           </a:p>
         </p:txBody>
       </p:sp>
       <p:sp>
         <p:nvSpPr>
           <p:cNvPr id="11" name="Shape 11"/>
-          <p:cNvSpPr/>
+          <p:cNvSpPr>
+            <a:spLocks noGrp="1"/>
+          </p:cNvSpPr>
           <p:nvPr>
             <p:ph type="title"/>
           </p:nvPr>
@@ -567,14 +582,14 @@
           <a:lstStyle/>
           <a:p>
             <a:pPr lvl="0">
-              <a:defRPr cap="none" sz="1800">
-                <a:solidFill>
-                  <a:srgbClr val="000000"/>
-                </a:solidFill>
-              </a:defRPr>
-            </a:pPr>
-            <a:r>
-              <a:rPr cap="all" sz="9000">
+              <a:defRPr sz="1800" cap="none">
+                <a:solidFill>
+                  <a:srgbClr val="000000"/>
+                </a:solidFill>
+              </a:defRPr>
+            </a:pPr>
+            <a:r>
+              <a:rPr sz="9000" cap="all">
                 <a:solidFill>
                   <a:srgbClr val="606060"/>
                 </a:solidFill>
@@ -587,7 +602,9 @@
       <p:sp>
         <p:nvSpPr>
           <p:cNvPr id="12" name="Shape 12"/>
-          <p:cNvSpPr/>
+          <p:cNvSpPr>
+            <a:spLocks noGrp="1"/>
+          </p:cNvSpPr>
           <p:nvPr>
             <p:ph type="body" idx="1"/>
           </p:nvPr>
@@ -681,11 +698,6 @@
               </a:rPr>
               <a:t>正文级别 1</a:t>
             </a:r>
-            <a:endParaRPr sz="3200">
-              <a:solidFill>
-                <a:srgbClr val="606060"/>
-              </a:solidFill>
-            </a:endParaRPr>
           </a:p>
           <a:p>
             <a:pPr lvl="1">
@@ -703,11 +715,6 @@
               </a:rPr>
               <a:t>正文级别 2</a:t>
             </a:r>
-            <a:endParaRPr sz="3200">
-              <a:solidFill>
-                <a:srgbClr val="606060"/>
-              </a:solidFill>
-            </a:endParaRPr>
           </a:p>
           <a:p>
             <a:pPr lvl="2">
@@ -725,11 +732,6 @@
               </a:rPr>
               <a:t>正文级别 3</a:t>
             </a:r>
-            <a:endParaRPr sz="3200">
-              <a:solidFill>
-                <a:srgbClr val="606060"/>
-              </a:solidFill>
-            </a:endParaRPr>
           </a:p>
           <a:p>
             <a:pPr lvl="3">
@@ -747,11 +749,6 @@
               </a:rPr>
               <a:t>正文级别 4</a:t>
             </a:r>
-            <a:endParaRPr sz="3200">
-              <a:solidFill>
-                <a:srgbClr val="606060"/>
-              </a:solidFill>
-            </a:endParaRPr>
           </a:p>
           <a:p>
             <a:pPr lvl="4">
@@ -777,188 +774,12 @@
   <p:clrMapOvr>
     <a:masterClrMapping/>
   </p:clrMapOvr>
-  <p:transition spd="med" advClick="1"/>
+  <p:transition spd="med"/>
 </p:sldLayout>
 </file>
 
 <file path=ppt/slideLayouts/slideLayout10.xml><?xml version="1.0" encoding="utf-8"?>
-<p:sldLayout xmlns:a="http://schemas.openxmlformats.org/drawingml/2006/main" xmlns:r="http://schemas.openxmlformats.org/officeDocument/2006/relationships" xmlns:p="http://schemas.openxmlformats.org/presentationml/2006/main" type="tx" showMasterSp="0" showMasterPhAnim="1">
-  <p:cSld name="引文">
-    <p:spTree>
-      <p:nvGrpSpPr>
-        <p:cNvPr id="1" name=""/>
-        <p:cNvGrpSpPr/>
-        <p:nvPr/>
-      </p:nvGrpSpPr>
-      <p:grpSpPr>
-        <a:xfrm>
-          <a:off x="0" y="0"/>
-          <a:ext cx="0" cy="0"/>
-          <a:chOff x="0" y="0"/>
-          <a:chExt cx="0" cy="0"/>
-        </a:xfrm>
-      </p:grpSpPr>
-      <p:sp>
-        <p:nvSpPr>
-          <p:cNvPr id="46" name="Shape 46"/>
-          <p:cNvSpPr/>
-          <p:nvPr/>
-        </p:nvSpPr>
-        <p:spPr>
-          <a:xfrm>
-            <a:off x="952500" y="13004800"/>
-            <a:ext cx="22479000" cy="0"/>
-          </a:xfrm>
-          <a:custGeom>
-            <a:avLst/>
-            <a:gdLst/>
-            <a:ahLst/>
-            <a:cxnLst>
-              <a:cxn ang="0">
-                <a:pos x="wd2" y="hd2"/>
-              </a:cxn>
-              <a:cxn ang="5400000">
-                <a:pos x="wd2" y="hd2"/>
-              </a:cxn>
-              <a:cxn ang="10800000">
-                <a:pos x="wd2" y="hd2"/>
-              </a:cxn>
-              <a:cxn ang="16200000">
-                <a:pos x="wd2" y="hd2"/>
-              </a:cxn>
-            </a:cxnLst>
-            <a:rect l="0" t="0" r="r" b="b"/>
-            <a:pathLst>
-              <a:path w="21600" h="0" fill="norm" stroke="1" extrusionOk="0">
-                <a:moveTo>
-                  <a:pt x="0" y="0"/>
-                </a:moveTo>
-                <a:lnTo>
-                  <a:pt x="21600" y="0"/>
-                </a:lnTo>
-                <a:lnTo>
-                  <a:pt x="21600" y="0"/>
-                </a:lnTo>
-                <a:lnTo>
-                  <a:pt x="0" y="0"/>
-                </a:lnTo>
-                <a:close/>
-              </a:path>
-            </a:pathLst>
-          </a:custGeom>
-          <a:ln w="76200">
-            <a:solidFill>
-              <a:srgbClr val="444444">
-                <a:alpha val="30000"/>
-              </a:srgbClr>
-            </a:solidFill>
-            <a:miter lim="400000"/>
-          </a:ln>
-        </p:spPr>
-        <p:txBody>
-          <a:bodyPr lIns="0" tIns="0" rIns="0" bIns="0" anchor="ctr"/>
-          <a:lstStyle/>
-          <a:p>
-            <a:pPr lvl="0" algn="l" defTabSz="457200">
-              <a:defRPr sz="1200">
-                <a:solidFill>
-                  <a:srgbClr val="000000"/>
-                </a:solidFill>
-                <a:latin typeface="Helvetica"/>
-                <a:ea typeface="Helvetica"/>
-                <a:cs typeface="Helvetica"/>
-                <a:sym typeface="Helvetica"/>
-              </a:defRPr>
-            </a:pPr>
-          </a:p>
-        </p:txBody>
-      </p:sp>
-      <p:sp>
-        <p:nvSpPr>
-          <p:cNvPr id="47" name="Shape 47"/>
-          <p:cNvSpPr/>
-          <p:nvPr/>
-        </p:nvSpPr>
-        <p:spPr>
-          <a:xfrm>
-            <a:off x="952500" y="711200"/>
-            <a:ext cx="22479000" cy="0"/>
-          </a:xfrm>
-          <a:custGeom>
-            <a:avLst/>
-            <a:gdLst/>
-            <a:ahLst/>
-            <a:cxnLst>
-              <a:cxn ang="0">
-                <a:pos x="wd2" y="hd2"/>
-              </a:cxn>
-              <a:cxn ang="5400000">
-                <a:pos x="wd2" y="hd2"/>
-              </a:cxn>
-              <a:cxn ang="10800000">
-                <a:pos x="wd2" y="hd2"/>
-              </a:cxn>
-              <a:cxn ang="16200000">
-                <a:pos x="wd2" y="hd2"/>
-              </a:cxn>
-            </a:cxnLst>
-            <a:rect l="0" t="0" r="r" b="b"/>
-            <a:pathLst>
-              <a:path w="21600" h="0" fill="norm" stroke="1" extrusionOk="0">
-                <a:moveTo>
-                  <a:pt x="0" y="0"/>
-                </a:moveTo>
-                <a:lnTo>
-                  <a:pt x="21600" y="0"/>
-                </a:lnTo>
-                <a:lnTo>
-                  <a:pt x="21600" y="0"/>
-                </a:lnTo>
-                <a:lnTo>
-                  <a:pt x="0" y="0"/>
-                </a:lnTo>
-                <a:close/>
-              </a:path>
-            </a:pathLst>
-          </a:custGeom>
-          <a:ln w="12700">
-            <a:solidFill>
-              <a:srgbClr val="444444">
-                <a:alpha val="30000"/>
-              </a:srgbClr>
-            </a:solidFill>
-            <a:miter lim="400000"/>
-          </a:ln>
-        </p:spPr>
-        <p:txBody>
-          <a:bodyPr lIns="0" tIns="0" rIns="0" bIns="0" anchor="ctr"/>
-          <a:lstStyle/>
-          <a:p>
-            <a:pPr lvl="0" algn="l" defTabSz="457200">
-              <a:defRPr sz="1200">
-                <a:solidFill>
-                  <a:srgbClr val="000000"/>
-                </a:solidFill>
-                <a:latin typeface="Helvetica"/>
-                <a:ea typeface="Helvetica"/>
-                <a:cs typeface="Helvetica"/>
-                <a:sym typeface="Helvetica"/>
-              </a:defRPr>
-            </a:pPr>
-          </a:p>
-        </p:txBody>
-      </p:sp>
-    </p:spTree>
-  </p:cSld>
-  <p:clrMapOvr>
-    <a:masterClrMapping/>
-  </p:clrMapOvr>
-  <p:transition spd="med" advClick="1"/>
-</p:sldLayout>
-</file>
-
-<file path=ppt/slideLayouts/slideLayout11.xml><?xml version="1.0" encoding="utf-8"?>
-<p:sldLayout xmlns:a="http://schemas.openxmlformats.org/drawingml/2006/main" xmlns:r="http://schemas.openxmlformats.org/officeDocument/2006/relationships" xmlns:p="http://schemas.openxmlformats.org/presentationml/2006/main" type="tx" showMasterSp="0" showMasterPhAnim="1">
+<p:sldLayout xmlns:a="http://schemas.openxmlformats.org/drawingml/2006/main" xmlns:r="http://schemas.openxmlformats.org/officeDocument/2006/relationships" xmlns:p="http://schemas.openxmlformats.org/presentationml/2006/main" showMasterSp="0" type="tx">
   <p:cSld name="照片">
     <p:spTree>
       <p:nvGrpSpPr>
@@ -1005,7 +826,7 @@
             </a:cxnLst>
             <a:rect l="0" t="0" r="r" b="b"/>
             <a:pathLst>
-              <a:path w="21600" h="0" fill="norm" stroke="1" extrusionOk="0">
+              <a:path w="21600" extrusionOk="0">
                 <a:moveTo>
                   <a:pt x="0" y="0"/>
                 </a:moveTo>
@@ -1046,6 +867,7 @@
                 <a:sym typeface="Helvetica"/>
               </a:defRPr>
             </a:pPr>
+            <a:endParaRPr/>
           </a:p>
         </p:txBody>
       </p:sp>
@@ -1080,7 +902,7 @@
             </a:cxnLst>
             <a:rect l="0" t="0" r="r" b="b"/>
             <a:pathLst>
-              <a:path w="21600" h="0" fill="norm" stroke="1" extrusionOk="0">
+              <a:path w="21600" extrusionOk="0">
                 <a:moveTo>
                   <a:pt x="0" y="0"/>
                 </a:moveTo>
@@ -1121,6 +943,7 @@
                 <a:sym typeface="Helvetica"/>
               </a:defRPr>
             </a:pPr>
+            <a:endParaRPr/>
           </a:p>
         </p:txBody>
       </p:sp>
@@ -1129,12 +952,12 @@
   <p:clrMapOvr>
     <a:masterClrMapping/>
   </p:clrMapOvr>
-  <p:transition spd="med" advClick="1"/>
+  <p:transition spd="med"/>
 </p:sldLayout>
 </file>
 
-<file path=ppt/slideLayouts/slideLayout12.xml><?xml version="1.0" encoding="utf-8"?>
-<p:sldLayout xmlns:a="http://schemas.openxmlformats.org/drawingml/2006/main" xmlns:r="http://schemas.openxmlformats.org/officeDocument/2006/relationships" xmlns:p="http://schemas.openxmlformats.org/presentationml/2006/main" type="tx" showMasterSp="0" showMasterPhAnim="1">
+<file path=ppt/slideLayouts/slideLayout11.xml><?xml version="1.0" encoding="utf-8"?>
+<p:sldLayout xmlns:a="http://schemas.openxmlformats.org/drawingml/2006/main" xmlns:r="http://schemas.openxmlformats.org/officeDocument/2006/relationships" xmlns:p="http://schemas.openxmlformats.org/presentationml/2006/main" showMasterSp="0" type="tx">
   <p:cSld name="空白">
     <p:spTree>
       <p:nvGrpSpPr>
@@ -1181,7 +1004,7 @@
             </a:cxnLst>
             <a:rect l="0" t="0" r="r" b="b"/>
             <a:pathLst>
-              <a:path w="21600" h="0" fill="norm" stroke="1" extrusionOk="0">
+              <a:path w="21600" extrusionOk="0">
                 <a:moveTo>
                   <a:pt x="0" y="0"/>
                 </a:moveTo>
@@ -1222,6 +1045,7 @@
                 <a:sym typeface="Helvetica"/>
               </a:defRPr>
             </a:pPr>
+            <a:endParaRPr/>
           </a:p>
         </p:txBody>
       </p:sp>
@@ -1256,7 +1080,7 @@
             </a:cxnLst>
             <a:rect l="0" t="0" r="r" b="b"/>
             <a:pathLst>
-              <a:path w="21600" h="0" fill="norm" stroke="1" extrusionOk="0">
+              <a:path w="21600" extrusionOk="0">
                 <a:moveTo>
                   <a:pt x="0" y="0"/>
                 </a:moveTo>
@@ -1297,6 +1121,7 @@
                 <a:sym typeface="Helvetica"/>
               </a:defRPr>
             </a:pPr>
+            <a:endParaRPr/>
           </a:p>
         </p:txBody>
       </p:sp>
@@ -1305,415 +1130,12 @@
   <p:clrMapOvr>
     <a:masterClrMapping/>
   </p:clrMapOvr>
-  <p:transition spd="med" advClick="1"/>
+  <p:transition spd="med"/>
 </p:sldLayout>
 </file>
 
 <file path=ppt/slideLayouts/slideLayout2.xml><?xml version="1.0" encoding="utf-8"?>
-<p:sldLayout xmlns:a="http://schemas.openxmlformats.org/drawingml/2006/main" xmlns:r="http://schemas.openxmlformats.org/officeDocument/2006/relationships" xmlns:p="http://schemas.openxmlformats.org/presentationml/2006/main" type="tx" showMasterSp="0" showMasterPhAnim="1">
-  <p:cSld name="照片 - 水平">
-    <p:spTree>
-      <p:nvGrpSpPr>
-        <p:cNvPr id="1" name=""/>
-        <p:cNvGrpSpPr/>
-        <p:nvPr/>
-      </p:nvGrpSpPr>
-      <p:grpSpPr>
-        <a:xfrm>
-          <a:off x="0" y="0"/>
-          <a:ext cx="0" cy="0"/>
-          <a:chOff x="0" y="0"/>
-          <a:chExt cx="0" cy="0"/>
-        </a:xfrm>
-      </p:grpSpPr>
-      <p:sp>
-        <p:nvSpPr>
-          <p:cNvPr id="14" name="Shape 14"/>
-          <p:cNvSpPr/>
-          <p:nvPr/>
-        </p:nvSpPr>
-        <p:spPr>
-          <a:xfrm>
-            <a:off x="952500" y="13004800"/>
-            <a:ext cx="22479000" cy="0"/>
-          </a:xfrm>
-          <a:custGeom>
-            <a:avLst/>
-            <a:gdLst/>
-            <a:ahLst/>
-            <a:cxnLst>
-              <a:cxn ang="0">
-                <a:pos x="wd2" y="hd2"/>
-              </a:cxn>
-              <a:cxn ang="5400000">
-                <a:pos x="wd2" y="hd2"/>
-              </a:cxn>
-              <a:cxn ang="10800000">
-                <a:pos x="wd2" y="hd2"/>
-              </a:cxn>
-              <a:cxn ang="16200000">
-                <a:pos x="wd2" y="hd2"/>
-              </a:cxn>
-            </a:cxnLst>
-            <a:rect l="0" t="0" r="r" b="b"/>
-            <a:pathLst>
-              <a:path w="21600" h="0" fill="norm" stroke="1" extrusionOk="0">
-                <a:moveTo>
-                  <a:pt x="0" y="0"/>
-                </a:moveTo>
-                <a:lnTo>
-                  <a:pt x="21600" y="0"/>
-                </a:lnTo>
-                <a:lnTo>
-                  <a:pt x="21600" y="0"/>
-                </a:lnTo>
-                <a:lnTo>
-                  <a:pt x="0" y="0"/>
-                </a:lnTo>
-                <a:close/>
-              </a:path>
-            </a:pathLst>
-          </a:custGeom>
-          <a:ln w="76200">
-            <a:solidFill>
-              <a:srgbClr val="444444">
-                <a:alpha val="30000"/>
-              </a:srgbClr>
-            </a:solidFill>
-            <a:miter lim="400000"/>
-          </a:ln>
-        </p:spPr>
-        <p:txBody>
-          <a:bodyPr lIns="0" tIns="0" rIns="0" bIns="0" anchor="ctr"/>
-          <a:lstStyle/>
-          <a:p>
-            <a:pPr lvl="0" algn="l" defTabSz="457200">
-              <a:defRPr sz="1200">
-                <a:solidFill>
-                  <a:srgbClr val="000000"/>
-                </a:solidFill>
-                <a:latin typeface="Helvetica"/>
-                <a:ea typeface="Helvetica"/>
-                <a:cs typeface="Helvetica"/>
-                <a:sym typeface="Helvetica"/>
-              </a:defRPr>
-            </a:pPr>
-          </a:p>
-        </p:txBody>
-      </p:sp>
-      <p:sp>
-        <p:nvSpPr>
-          <p:cNvPr id="15" name="Shape 15"/>
-          <p:cNvSpPr/>
-          <p:nvPr/>
-        </p:nvSpPr>
-        <p:spPr>
-          <a:xfrm>
-            <a:off x="952500" y="711200"/>
-            <a:ext cx="22479000" cy="0"/>
-          </a:xfrm>
-          <a:custGeom>
-            <a:avLst/>
-            <a:gdLst/>
-            <a:ahLst/>
-            <a:cxnLst>
-              <a:cxn ang="0">
-                <a:pos x="wd2" y="hd2"/>
-              </a:cxn>
-              <a:cxn ang="5400000">
-                <a:pos x="wd2" y="hd2"/>
-              </a:cxn>
-              <a:cxn ang="10800000">
-                <a:pos x="wd2" y="hd2"/>
-              </a:cxn>
-              <a:cxn ang="16200000">
-                <a:pos x="wd2" y="hd2"/>
-              </a:cxn>
-            </a:cxnLst>
-            <a:rect l="0" t="0" r="r" b="b"/>
-            <a:pathLst>
-              <a:path w="21600" h="0" fill="norm" stroke="1" extrusionOk="0">
-                <a:moveTo>
-                  <a:pt x="0" y="0"/>
-                </a:moveTo>
-                <a:lnTo>
-                  <a:pt x="21600" y="0"/>
-                </a:lnTo>
-                <a:lnTo>
-                  <a:pt x="21600" y="0"/>
-                </a:lnTo>
-                <a:lnTo>
-                  <a:pt x="0" y="0"/>
-                </a:lnTo>
-                <a:close/>
-              </a:path>
-            </a:pathLst>
-          </a:custGeom>
-          <a:ln w="12700">
-            <a:solidFill>
-              <a:srgbClr val="444444">
-                <a:alpha val="30000"/>
-              </a:srgbClr>
-            </a:solidFill>
-            <a:miter lim="400000"/>
-          </a:ln>
-        </p:spPr>
-        <p:txBody>
-          <a:bodyPr lIns="0" tIns="0" rIns="0" bIns="0" anchor="ctr"/>
-          <a:lstStyle/>
-          <a:p>
-            <a:pPr lvl="0" algn="l" defTabSz="457200">
-              <a:defRPr sz="1200">
-                <a:solidFill>
-                  <a:srgbClr val="000000"/>
-                </a:solidFill>
-                <a:latin typeface="Helvetica"/>
-                <a:ea typeface="Helvetica"/>
-                <a:cs typeface="Helvetica"/>
-                <a:sym typeface="Helvetica"/>
-              </a:defRPr>
-            </a:pPr>
-          </a:p>
-        </p:txBody>
-      </p:sp>
-      <p:sp>
-        <p:nvSpPr>
-          <p:cNvPr id="16" name="Shape 16"/>
-          <p:cNvSpPr/>
-          <p:nvPr>
-            <p:ph type="title"/>
-          </p:nvPr>
-        </p:nvSpPr>
-        <p:spPr>
-          <a:xfrm>
-            <a:off x="952500" y="9982200"/>
-            <a:ext cx="22479000" cy="1574800"/>
-          </a:xfrm>
-          <a:prstGeom prst="rect">
-            <a:avLst/>
-          </a:prstGeom>
-        </p:spPr>
-        <p:txBody>
-          <a:bodyPr anchor="b"/>
-          <a:lstStyle/>
-          <a:p>
-            <a:pPr lvl="0">
-              <a:defRPr cap="none" sz="1800">
-                <a:solidFill>
-                  <a:srgbClr val="000000"/>
-                </a:solidFill>
-              </a:defRPr>
-            </a:pPr>
-            <a:r>
-              <a:rPr cap="all" sz="9000">
-                <a:solidFill>
-                  <a:srgbClr val="606060"/>
-                </a:solidFill>
-              </a:rPr>
-              <a:t>标题文本</a:t>
-            </a:r>
-          </a:p>
-        </p:txBody>
-      </p:sp>
-      <p:sp>
-        <p:nvSpPr>
-          <p:cNvPr id="17" name="Shape 17"/>
-          <p:cNvSpPr/>
-          <p:nvPr>
-            <p:ph type="body" idx="1"/>
-          </p:nvPr>
-        </p:nvSpPr>
-        <p:spPr>
-          <a:xfrm>
-            <a:off x="952500" y="11620500"/>
-            <a:ext cx="22479000" cy="1181100"/>
-          </a:xfrm>
-          <a:prstGeom prst="rect">
-            <a:avLst/>
-          </a:prstGeom>
-        </p:spPr>
-        <p:txBody>
-          <a:bodyPr anchor="t"/>
-          <a:lstStyle>
-            <a:lvl1pPr marL="0" indent="0">
-              <a:lnSpc>
-                <a:spcPct val="120000"/>
-              </a:lnSpc>
-              <a:spcBef>
-                <a:spcPts val="0"/>
-              </a:spcBef>
-              <a:buSzTx/>
-              <a:buFontTx/>
-              <a:buNone/>
-              <a:defRPr sz="3200"/>
-            </a:lvl1pPr>
-            <a:lvl2pPr marL="0" indent="228600">
-              <a:lnSpc>
-                <a:spcPct val="120000"/>
-              </a:lnSpc>
-              <a:spcBef>
-                <a:spcPts val="0"/>
-              </a:spcBef>
-              <a:buSzTx/>
-              <a:buFontTx/>
-              <a:buNone/>
-              <a:defRPr sz="3200"/>
-            </a:lvl2pPr>
-            <a:lvl3pPr marL="0" indent="457200">
-              <a:lnSpc>
-                <a:spcPct val="120000"/>
-              </a:lnSpc>
-              <a:spcBef>
-                <a:spcPts val="0"/>
-              </a:spcBef>
-              <a:buSzTx/>
-              <a:buFontTx/>
-              <a:buNone/>
-              <a:defRPr sz="3200"/>
-            </a:lvl3pPr>
-            <a:lvl4pPr marL="0" indent="685800">
-              <a:lnSpc>
-                <a:spcPct val="120000"/>
-              </a:lnSpc>
-              <a:spcBef>
-                <a:spcPts val="0"/>
-              </a:spcBef>
-              <a:buSzTx/>
-              <a:buFontTx/>
-              <a:buNone/>
-              <a:defRPr sz="3200"/>
-            </a:lvl4pPr>
-            <a:lvl5pPr marL="0" indent="914400">
-              <a:lnSpc>
-                <a:spcPct val="120000"/>
-              </a:lnSpc>
-              <a:spcBef>
-                <a:spcPts val="0"/>
-              </a:spcBef>
-              <a:buSzTx/>
-              <a:buFontTx/>
-              <a:buNone/>
-              <a:defRPr sz="3200"/>
-            </a:lvl5pPr>
-          </a:lstStyle>
-          <a:p>
-            <a:pPr lvl="0">
-              <a:defRPr sz="1800">
-                <a:solidFill>
-                  <a:srgbClr val="000000"/>
-                </a:solidFill>
-              </a:defRPr>
-            </a:pPr>
-            <a:r>
-              <a:rPr sz="3200">
-                <a:solidFill>
-                  <a:srgbClr val="606060"/>
-                </a:solidFill>
-              </a:rPr>
-              <a:t>正文级别 1</a:t>
-            </a:r>
-            <a:endParaRPr sz="3200">
-              <a:solidFill>
-                <a:srgbClr val="606060"/>
-              </a:solidFill>
-            </a:endParaRPr>
-          </a:p>
-          <a:p>
-            <a:pPr lvl="1">
-              <a:defRPr sz="1800">
-                <a:solidFill>
-                  <a:srgbClr val="000000"/>
-                </a:solidFill>
-              </a:defRPr>
-            </a:pPr>
-            <a:r>
-              <a:rPr sz="3200">
-                <a:solidFill>
-                  <a:srgbClr val="606060"/>
-                </a:solidFill>
-              </a:rPr>
-              <a:t>正文级别 2</a:t>
-            </a:r>
-            <a:endParaRPr sz="3200">
-              <a:solidFill>
-                <a:srgbClr val="606060"/>
-              </a:solidFill>
-            </a:endParaRPr>
-          </a:p>
-          <a:p>
-            <a:pPr lvl="2">
-              <a:defRPr sz="1800">
-                <a:solidFill>
-                  <a:srgbClr val="000000"/>
-                </a:solidFill>
-              </a:defRPr>
-            </a:pPr>
-            <a:r>
-              <a:rPr sz="3200">
-                <a:solidFill>
-                  <a:srgbClr val="606060"/>
-                </a:solidFill>
-              </a:rPr>
-              <a:t>正文级别 3</a:t>
-            </a:r>
-            <a:endParaRPr sz="3200">
-              <a:solidFill>
-                <a:srgbClr val="606060"/>
-              </a:solidFill>
-            </a:endParaRPr>
-          </a:p>
-          <a:p>
-            <a:pPr lvl="3">
-              <a:defRPr sz="1800">
-                <a:solidFill>
-                  <a:srgbClr val="000000"/>
-                </a:solidFill>
-              </a:defRPr>
-            </a:pPr>
-            <a:r>
-              <a:rPr sz="3200">
-                <a:solidFill>
-                  <a:srgbClr val="606060"/>
-                </a:solidFill>
-              </a:rPr>
-              <a:t>正文级别 4</a:t>
-            </a:r>
-            <a:endParaRPr sz="3200">
-              <a:solidFill>
-                <a:srgbClr val="606060"/>
-              </a:solidFill>
-            </a:endParaRPr>
-          </a:p>
-          <a:p>
-            <a:pPr lvl="4">
-              <a:defRPr sz="1800">
-                <a:solidFill>
-                  <a:srgbClr val="000000"/>
-                </a:solidFill>
-              </a:defRPr>
-            </a:pPr>
-            <a:r>
-              <a:rPr sz="3200">
-                <a:solidFill>
-                  <a:srgbClr val="606060"/>
-                </a:solidFill>
-              </a:rPr>
-              <a:t>正文级别 5</a:t>
-            </a:r>
-          </a:p>
-        </p:txBody>
-      </p:sp>
-    </p:spTree>
-  </p:cSld>
-  <p:clrMapOvr>
-    <a:masterClrMapping/>
-  </p:clrMapOvr>
-  <p:transition spd="med" advClick="1"/>
-</p:sldLayout>
-</file>
-
-<file path=ppt/slideLayouts/slideLayout3.xml><?xml version="1.0" encoding="utf-8"?>
-<p:sldLayout xmlns:a="http://schemas.openxmlformats.org/drawingml/2006/main" xmlns:r="http://schemas.openxmlformats.org/officeDocument/2006/relationships" xmlns:p="http://schemas.openxmlformats.org/presentationml/2006/main" type="tx" showMasterSp="0" showMasterPhAnim="1">
+<p:sldLayout xmlns:a="http://schemas.openxmlformats.org/drawingml/2006/main" xmlns:r="http://schemas.openxmlformats.org/officeDocument/2006/relationships" xmlns:p="http://schemas.openxmlformats.org/presentationml/2006/main" showMasterSp="0" type="tx">
   <p:cSld name="标题 - 居中">
     <p:spTree>
       <p:nvGrpSpPr>
@@ -1760,7 +1182,7 @@
             </a:cxnLst>
             <a:rect l="0" t="0" r="r" b="b"/>
             <a:pathLst>
-              <a:path w="21600" h="0" fill="norm" stroke="1" extrusionOk="0">
+              <a:path w="21600" extrusionOk="0">
                 <a:moveTo>
                   <a:pt x="0" y="0"/>
                 </a:moveTo>
@@ -1801,6 +1223,7 @@
                 <a:sym typeface="Helvetica"/>
               </a:defRPr>
             </a:pPr>
+            <a:endParaRPr/>
           </a:p>
         </p:txBody>
       </p:sp>
@@ -1835,7 +1258,7 @@
             </a:cxnLst>
             <a:rect l="0" t="0" r="r" b="b"/>
             <a:pathLst>
-              <a:path w="21600" h="0" fill="norm" stroke="1" extrusionOk="0">
+              <a:path w="21600" extrusionOk="0">
                 <a:moveTo>
                   <a:pt x="0" y="0"/>
                 </a:moveTo>
@@ -1876,13 +1299,16 @@
                 <a:sym typeface="Helvetica"/>
               </a:defRPr>
             </a:pPr>
+            <a:endParaRPr/>
           </a:p>
         </p:txBody>
       </p:sp>
       <p:sp>
         <p:nvSpPr>
           <p:cNvPr id="21" name="Shape 21"/>
-          <p:cNvSpPr/>
+          <p:cNvSpPr>
+            <a:spLocks noGrp="1"/>
+          </p:cNvSpPr>
           <p:nvPr>
             <p:ph type="title"/>
           </p:nvPr>
@@ -1901,14 +1327,14 @@
           <a:lstStyle/>
           <a:p>
             <a:pPr lvl="0">
-              <a:defRPr cap="none" sz="1800">
-                <a:solidFill>
-                  <a:srgbClr val="000000"/>
-                </a:solidFill>
-              </a:defRPr>
-            </a:pPr>
-            <a:r>
-              <a:rPr cap="all" sz="9000">
+              <a:defRPr sz="1800" cap="none">
+                <a:solidFill>
+                  <a:srgbClr val="000000"/>
+                </a:solidFill>
+              </a:defRPr>
+            </a:pPr>
+            <a:r>
+              <a:rPr sz="9000" cap="all">
                 <a:solidFill>
                   <a:srgbClr val="606060"/>
                 </a:solidFill>
@@ -1923,12 +1349,12 @@
   <p:clrMapOvr>
     <a:masterClrMapping/>
   </p:clrMapOvr>
-  <p:transition spd="med" advClick="1"/>
+  <p:transition spd="med"/>
 </p:sldLayout>
 </file>
 
-<file path=ppt/slideLayouts/slideLayout4.xml><?xml version="1.0" encoding="utf-8"?>
-<p:sldLayout xmlns:a="http://schemas.openxmlformats.org/drawingml/2006/main" xmlns:r="http://schemas.openxmlformats.org/officeDocument/2006/relationships" xmlns:p="http://schemas.openxmlformats.org/presentationml/2006/main" type="tx" showMasterSp="0" showMasterPhAnim="1">
+<file path=ppt/slideLayouts/slideLayout3.xml><?xml version="1.0" encoding="utf-8"?>
+<p:sldLayout xmlns:a="http://schemas.openxmlformats.org/drawingml/2006/main" xmlns:r="http://schemas.openxmlformats.org/officeDocument/2006/relationships" xmlns:p="http://schemas.openxmlformats.org/presentationml/2006/main" showMasterSp="0" type="tx">
   <p:cSld name="照片 - 垂直">
     <p:spTree>
       <p:nvGrpSpPr>
@@ -1975,7 +1401,7 @@
             </a:cxnLst>
             <a:rect l="0" t="0" r="r" b="b"/>
             <a:pathLst>
-              <a:path w="21600" h="0" fill="norm" stroke="1" extrusionOk="0">
+              <a:path w="21600" extrusionOk="0">
                 <a:moveTo>
                   <a:pt x="0" y="0"/>
                 </a:moveTo>
@@ -2016,6 +1442,7 @@
                 <a:sym typeface="Helvetica"/>
               </a:defRPr>
             </a:pPr>
+            <a:endParaRPr/>
           </a:p>
         </p:txBody>
       </p:sp>
@@ -2050,7 +1477,7 @@
             </a:cxnLst>
             <a:rect l="0" t="0" r="r" b="b"/>
             <a:pathLst>
-              <a:path w="21600" h="0" fill="norm" stroke="1" extrusionOk="0">
+              <a:path w="21600" extrusionOk="0">
                 <a:moveTo>
                   <a:pt x="0" y="0"/>
                 </a:moveTo>
@@ -2091,13 +1518,16 @@
                 <a:sym typeface="Helvetica"/>
               </a:defRPr>
             </a:pPr>
+            <a:endParaRPr/>
           </a:p>
         </p:txBody>
       </p:sp>
       <p:sp>
         <p:nvSpPr>
           <p:cNvPr id="25" name="Shape 25"/>
-          <p:cNvSpPr/>
+          <p:cNvSpPr>
+            <a:spLocks noGrp="1"/>
+          </p:cNvSpPr>
           <p:nvPr>
             <p:ph type="title"/>
           </p:nvPr>
@@ -2116,14 +1546,14 @@
           <a:lstStyle/>
           <a:p>
             <a:pPr lvl="0">
-              <a:defRPr cap="none" sz="1800">
-                <a:solidFill>
-                  <a:srgbClr val="000000"/>
-                </a:solidFill>
-              </a:defRPr>
-            </a:pPr>
-            <a:r>
-              <a:rPr cap="all" sz="9000">
+              <a:defRPr sz="1800" cap="none">
+                <a:solidFill>
+                  <a:srgbClr val="000000"/>
+                </a:solidFill>
+              </a:defRPr>
+            </a:pPr>
+            <a:r>
+              <a:rPr sz="9000" cap="all">
                 <a:solidFill>
                   <a:srgbClr val="606060"/>
                 </a:solidFill>
@@ -2136,7 +1566,9 @@
       <p:sp>
         <p:nvSpPr>
           <p:cNvPr id="26" name="Shape 26"/>
-          <p:cNvSpPr/>
+          <p:cNvSpPr>
+            <a:spLocks noGrp="1"/>
+          </p:cNvSpPr>
           <p:nvPr>
             <p:ph type="body" idx="1"/>
           </p:nvPr>
@@ -2230,11 +1662,6 @@
               </a:rPr>
               <a:t>正文级别 1</a:t>
             </a:r>
-            <a:endParaRPr sz="3200">
-              <a:solidFill>
-                <a:srgbClr val="606060"/>
-              </a:solidFill>
-            </a:endParaRPr>
           </a:p>
           <a:p>
             <a:pPr lvl="1">
@@ -2252,11 +1679,6 @@
               </a:rPr>
               <a:t>正文级别 2</a:t>
             </a:r>
-            <a:endParaRPr sz="3200">
-              <a:solidFill>
-                <a:srgbClr val="606060"/>
-              </a:solidFill>
-            </a:endParaRPr>
           </a:p>
           <a:p>
             <a:pPr lvl="2">
@@ -2274,11 +1696,6 @@
               </a:rPr>
               <a:t>正文级别 3</a:t>
             </a:r>
-            <a:endParaRPr sz="3200">
-              <a:solidFill>
-                <a:srgbClr val="606060"/>
-              </a:solidFill>
-            </a:endParaRPr>
           </a:p>
           <a:p>
             <a:pPr lvl="3">
@@ -2296,11 +1713,6 @@
               </a:rPr>
               <a:t>正文级别 4</a:t>
             </a:r>
-            <a:endParaRPr sz="3200">
-              <a:solidFill>
-                <a:srgbClr val="606060"/>
-              </a:solidFill>
-            </a:endParaRPr>
           </a:p>
           <a:p>
             <a:pPr lvl="4">
@@ -2326,12 +1738,12 @@
   <p:clrMapOvr>
     <a:masterClrMapping/>
   </p:clrMapOvr>
-  <p:transition spd="med" advClick="1"/>
+  <p:transition spd="med"/>
 </p:sldLayout>
 </file>
 
-<file path=ppt/slideLayouts/slideLayout5.xml><?xml version="1.0" encoding="utf-8"?>
-<p:sldLayout xmlns:a="http://schemas.openxmlformats.org/drawingml/2006/main" xmlns:r="http://schemas.openxmlformats.org/officeDocument/2006/relationships" xmlns:p="http://schemas.openxmlformats.org/presentationml/2006/main" type="tx" showMasterSp="0" showMasterPhAnim="1">
+<file path=ppt/slideLayouts/slideLayout4.xml><?xml version="1.0" encoding="utf-8"?>
+<p:sldLayout xmlns:a="http://schemas.openxmlformats.org/drawingml/2006/main" xmlns:r="http://schemas.openxmlformats.org/officeDocument/2006/relationships" xmlns:p="http://schemas.openxmlformats.org/presentationml/2006/main" showMasterSp="0" type="tx">
   <p:cSld name="标题 - 顶部对齐">
     <p:spTree>
       <p:nvGrpSpPr>
@@ -2378,7 +1790,7 @@
             </a:cxnLst>
             <a:rect l="0" t="0" r="r" b="b"/>
             <a:pathLst>
-              <a:path w="21600" h="0" fill="norm" stroke="1" extrusionOk="0">
+              <a:path w="21600" extrusionOk="0">
                 <a:moveTo>
                   <a:pt x="0" y="0"/>
                 </a:moveTo>
@@ -2419,6 +1831,7 @@
                 <a:sym typeface="Helvetica"/>
               </a:defRPr>
             </a:pPr>
+            <a:endParaRPr/>
           </a:p>
         </p:txBody>
       </p:sp>
@@ -2453,7 +1866,7 @@
             </a:cxnLst>
             <a:rect l="0" t="0" r="r" b="b"/>
             <a:pathLst>
-              <a:path w="21600" h="0" fill="norm" stroke="1" extrusionOk="0">
+              <a:path w="21600" extrusionOk="0">
                 <a:moveTo>
                   <a:pt x="0" y="0"/>
                 </a:moveTo>
@@ -2494,6 +1907,7 @@
                 <a:sym typeface="Helvetica"/>
               </a:defRPr>
             </a:pPr>
+            <a:endParaRPr/>
           </a:p>
         </p:txBody>
       </p:sp>
@@ -2528,7 +1942,7 @@
             </a:cxnLst>
             <a:rect l="0" t="0" r="r" b="b"/>
             <a:pathLst>
-              <a:path w="21600" h="0" fill="norm" stroke="1" extrusionOk="0">
+              <a:path w="21600" extrusionOk="0">
                 <a:moveTo>
                   <a:pt x="0" y="0"/>
                 </a:moveTo>
@@ -2569,13 +1983,16 @@
                 <a:sym typeface="Helvetica"/>
               </a:defRPr>
             </a:pPr>
+            <a:endParaRPr/>
           </a:p>
         </p:txBody>
       </p:sp>
       <p:sp>
         <p:nvSpPr>
           <p:cNvPr id="31" name="Shape 31"/>
-          <p:cNvSpPr/>
+          <p:cNvSpPr>
+            <a:spLocks noGrp="1"/>
+          </p:cNvSpPr>
           <p:nvPr>
             <p:ph type="title"/>
           </p:nvPr>
@@ -2590,14 +2007,14 @@
           <a:lstStyle/>
           <a:p>
             <a:pPr lvl="0">
-              <a:defRPr cap="none" sz="1800">
-                <a:solidFill>
-                  <a:srgbClr val="000000"/>
-                </a:solidFill>
-              </a:defRPr>
-            </a:pPr>
-            <a:r>
-              <a:rPr cap="all" sz="9000">
+              <a:defRPr sz="1800" cap="none">
+                <a:solidFill>
+                  <a:srgbClr val="000000"/>
+                </a:solidFill>
+              </a:defRPr>
+            </a:pPr>
+            <a:r>
+              <a:rPr sz="9000" cap="all">
                 <a:solidFill>
                   <a:srgbClr val="606060"/>
                 </a:solidFill>
@@ -2612,12 +2029,12 @@
   <p:clrMapOvr>
     <a:masterClrMapping/>
   </p:clrMapOvr>
-  <p:transition spd="med" advClick="1"/>
+  <p:transition spd="med"/>
 </p:sldLayout>
 </file>
 
-<file path=ppt/slideLayouts/slideLayout6.xml><?xml version="1.0" encoding="utf-8"?>
-<p:sldLayout xmlns:a="http://schemas.openxmlformats.org/drawingml/2006/main" xmlns:r="http://schemas.openxmlformats.org/officeDocument/2006/relationships" xmlns:p="http://schemas.openxmlformats.org/presentationml/2006/main" type="tx" showMasterSp="1" showMasterPhAnim="1">
+<file path=ppt/slideLayouts/slideLayout5.xml><?xml version="1.0" encoding="utf-8"?>
+<p:sldLayout xmlns:a="http://schemas.openxmlformats.org/drawingml/2006/main" xmlns:r="http://schemas.openxmlformats.org/officeDocument/2006/relationships" xmlns:p="http://schemas.openxmlformats.org/presentationml/2006/main" type="tx">
   <p:cSld name="标题与项目符号">
     <p:spTree>
       <p:nvGrpSpPr>
@@ -2636,7 +2053,9 @@
       <p:sp>
         <p:nvSpPr>
           <p:cNvPr id="33" name="Shape 33"/>
-          <p:cNvSpPr/>
+          <p:cNvSpPr>
+            <a:spLocks noGrp="1"/>
+          </p:cNvSpPr>
           <p:nvPr>
             <p:ph type="title"/>
           </p:nvPr>
@@ -2651,14 +2070,14 @@
           <a:lstStyle/>
           <a:p>
             <a:pPr lvl="0">
-              <a:defRPr cap="none" sz="1800">
-                <a:solidFill>
-                  <a:srgbClr val="000000"/>
-                </a:solidFill>
-              </a:defRPr>
-            </a:pPr>
-            <a:r>
-              <a:rPr cap="all" sz="9000">
+              <a:defRPr sz="1800" cap="none">
+                <a:solidFill>
+                  <a:srgbClr val="000000"/>
+                </a:solidFill>
+              </a:defRPr>
+            </a:pPr>
+            <a:r>
+              <a:rPr sz="9000" cap="all">
                 <a:solidFill>
                   <a:srgbClr val="606060"/>
                 </a:solidFill>
@@ -2671,7 +2090,9 @@
       <p:sp>
         <p:nvSpPr>
           <p:cNvPr id="34" name="Shape 34"/>
-          <p:cNvSpPr/>
+          <p:cNvSpPr>
+            <a:spLocks noGrp="1"/>
+          </p:cNvSpPr>
           <p:nvPr>
             <p:ph type="body" idx="1"/>
           </p:nvPr>
@@ -2726,11 +2147,6 @@
               </a:rPr>
               <a:t>正文级别 1</a:t>
             </a:r>
-            <a:endParaRPr sz="4600">
-              <a:solidFill>
-                <a:srgbClr val="606060"/>
-              </a:solidFill>
-            </a:endParaRPr>
           </a:p>
           <a:p>
             <a:pPr lvl="1">
@@ -2748,11 +2164,6 @@
               </a:rPr>
               <a:t>正文级别 2</a:t>
             </a:r>
-            <a:endParaRPr sz="4600">
-              <a:solidFill>
-                <a:srgbClr val="606060"/>
-              </a:solidFill>
-            </a:endParaRPr>
           </a:p>
           <a:p>
             <a:pPr lvl="2">
@@ -2770,11 +2181,6 @@
               </a:rPr>
               <a:t>正文级别 3</a:t>
             </a:r>
-            <a:endParaRPr sz="4600">
-              <a:solidFill>
-                <a:srgbClr val="606060"/>
-              </a:solidFill>
-            </a:endParaRPr>
           </a:p>
           <a:p>
             <a:pPr lvl="3">
@@ -2792,11 +2198,6 @@
               </a:rPr>
               <a:t>正文级别 4</a:t>
             </a:r>
-            <a:endParaRPr sz="4600">
-              <a:solidFill>
-                <a:srgbClr val="606060"/>
-              </a:solidFill>
-            </a:endParaRPr>
           </a:p>
           <a:p>
             <a:pPr lvl="4">
@@ -2822,12 +2223,12 @@
   <p:clrMapOvr>
     <a:masterClrMapping/>
   </p:clrMapOvr>
-  <p:transition spd="med" advClick="1"/>
+  <p:transition spd="med"/>
 </p:sldLayout>
 </file>
 
-<file path=ppt/slideLayouts/slideLayout7.xml><?xml version="1.0" encoding="utf-8"?>
-<p:sldLayout xmlns:a="http://schemas.openxmlformats.org/drawingml/2006/main" xmlns:r="http://schemas.openxmlformats.org/officeDocument/2006/relationships" xmlns:p="http://schemas.openxmlformats.org/presentationml/2006/main" type="tx" showMasterSp="1" showMasterPhAnim="1">
+<file path=ppt/slideLayouts/slideLayout6.xml><?xml version="1.0" encoding="utf-8"?>
+<p:sldLayout xmlns:a="http://schemas.openxmlformats.org/drawingml/2006/main" xmlns:r="http://schemas.openxmlformats.org/officeDocument/2006/relationships" xmlns:p="http://schemas.openxmlformats.org/presentationml/2006/main" type="tx">
   <p:cSld name="标题、项目符号与照片">
     <p:spTree>
       <p:nvGrpSpPr>
@@ -2846,7 +2247,9 @@
       <p:sp>
         <p:nvSpPr>
           <p:cNvPr id="36" name="Shape 36"/>
-          <p:cNvSpPr/>
+          <p:cNvSpPr>
+            <a:spLocks noGrp="1"/>
+          </p:cNvSpPr>
           <p:nvPr>
             <p:ph type="title"/>
           </p:nvPr>
@@ -2861,14 +2264,14 @@
           <a:lstStyle/>
           <a:p>
             <a:pPr lvl="0">
-              <a:defRPr cap="none" sz="1800">
-                <a:solidFill>
-                  <a:srgbClr val="000000"/>
-                </a:solidFill>
-              </a:defRPr>
-            </a:pPr>
-            <a:r>
-              <a:rPr cap="all" sz="9000">
+              <a:defRPr sz="1800" cap="none">
+                <a:solidFill>
+                  <a:srgbClr val="000000"/>
+                </a:solidFill>
+              </a:defRPr>
+            </a:pPr>
+            <a:r>
+              <a:rPr sz="9000" cap="all">
                 <a:solidFill>
                   <a:srgbClr val="606060"/>
                 </a:solidFill>
@@ -2881,7 +2284,9 @@
       <p:sp>
         <p:nvSpPr>
           <p:cNvPr id="37" name="Shape 37"/>
-          <p:cNvSpPr/>
+          <p:cNvSpPr>
+            <a:spLocks noGrp="1"/>
+          </p:cNvSpPr>
           <p:nvPr>
             <p:ph type="body" idx="1"/>
           </p:nvPr>
@@ -2965,11 +2370,6 @@
               </a:rPr>
               <a:t>正文级别 1</a:t>
             </a:r>
-            <a:endParaRPr sz="4200">
-              <a:solidFill>
-                <a:srgbClr val="606060"/>
-              </a:solidFill>
-            </a:endParaRPr>
           </a:p>
           <a:p>
             <a:pPr lvl="1">
@@ -2987,11 +2387,6 @@
               </a:rPr>
               <a:t>正文级别 2</a:t>
             </a:r>
-            <a:endParaRPr sz="4200">
-              <a:solidFill>
-                <a:srgbClr val="606060"/>
-              </a:solidFill>
-            </a:endParaRPr>
           </a:p>
           <a:p>
             <a:pPr lvl="2">
@@ -3009,11 +2404,6 @@
               </a:rPr>
               <a:t>正文级别 3</a:t>
             </a:r>
-            <a:endParaRPr sz="4200">
-              <a:solidFill>
-                <a:srgbClr val="606060"/>
-              </a:solidFill>
-            </a:endParaRPr>
           </a:p>
           <a:p>
             <a:pPr lvl="3">
@@ -3031,11 +2421,6 @@
               </a:rPr>
               <a:t>正文级别 4</a:t>
             </a:r>
-            <a:endParaRPr sz="4200">
-              <a:solidFill>
-                <a:srgbClr val="606060"/>
-              </a:solidFill>
-            </a:endParaRPr>
           </a:p>
           <a:p>
             <a:pPr lvl="4">
@@ -3061,12 +2446,12 @@
   <p:clrMapOvr>
     <a:masterClrMapping/>
   </p:clrMapOvr>
-  <p:transition spd="med" advClick="1"/>
+  <p:transition spd="med"/>
 </p:sldLayout>
 </file>
 
-<file path=ppt/slideLayouts/slideLayout8.xml><?xml version="1.0" encoding="utf-8"?>
-<p:sldLayout xmlns:a="http://schemas.openxmlformats.org/drawingml/2006/main" xmlns:r="http://schemas.openxmlformats.org/officeDocument/2006/relationships" xmlns:p="http://schemas.openxmlformats.org/presentationml/2006/main" type="tx" showMasterSp="0" showMasterPhAnim="1">
+<file path=ppt/slideLayouts/slideLayout7.xml><?xml version="1.0" encoding="utf-8"?>
+<p:sldLayout xmlns:a="http://schemas.openxmlformats.org/drawingml/2006/main" xmlns:r="http://schemas.openxmlformats.org/officeDocument/2006/relationships" xmlns:p="http://schemas.openxmlformats.org/presentationml/2006/main" showMasterSp="0" type="tx">
   <p:cSld name="项目符号">
     <p:spTree>
       <p:nvGrpSpPr>
@@ -3113,7 +2498,7 @@
             </a:cxnLst>
             <a:rect l="0" t="0" r="r" b="b"/>
             <a:pathLst>
-              <a:path w="21600" h="0" fill="norm" stroke="1" extrusionOk="0">
+              <a:path w="21600" extrusionOk="0">
                 <a:moveTo>
                   <a:pt x="0" y="0"/>
                 </a:moveTo>
@@ -3154,6 +2539,7 @@
                 <a:sym typeface="Helvetica"/>
               </a:defRPr>
             </a:pPr>
+            <a:endParaRPr/>
           </a:p>
         </p:txBody>
       </p:sp>
@@ -3188,7 +2574,7 @@
             </a:cxnLst>
             <a:rect l="0" t="0" r="r" b="b"/>
             <a:pathLst>
-              <a:path w="21600" h="0" fill="norm" stroke="1" extrusionOk="0">
+              <a:path w="21600" extrusionOk="0">
                 <a:moveTo>
                   <a:pt x="0" y="0"/>
                 </a:moveTo>
@@ -3229,13 +2615,16 @@
                 <a:sym typeface="Helvetica"/>
               </a:defRPr>
             </a:pPr>
+            <a:endParaRPr/>
           </a:p>
         </p:txBody>
       </p:sp>
       <p:sp>
         <p:nvSpPr>
           <p:cNvPr id="41" name="Shape 41"/>
-          <p:cNvSpPr/>
+          <p:cNvSpPr>
+            <a:spLocks noGrp="1"/>
+          </p:cNvSpPr>
           <p:nvPr>
             <p:ph type="body" idx="1"/>
           </p:nvPr>
@@ -3294,11 +2683,6 @@
               </a:rPr>
               <a:t>正文级别 1</a:t>
             </a:r>
-            <a:endParaRPr sz="4600">
-              <a:solidFill>
-                <a:srgbClr val="606060"/>
-              </a:solidFill>
-            </a:endParaRPr>
           </a:p>
           <a:p>
             <a:pPr lvl="1">
@@ -3316,11 +2700,6 @@
               </a:rPr>
               <a:t>正文级别 2</a:t>
             </a:r>
-            <a:endParaRPr sz="4600">
-              <a:solidFill>
-                <a:srgbClr val="606060"/>
-              </a:solidFill>
-            </a:endParaRPr>
           </a:p>
           <a:p>
             <a:pPr lvl="2">
@@ -3338,11 +2717,6 @@
               </a:rPr>
               <a:t>正文级别 3</a:t>
             </a:r>
-            <a:endParaRPr sz="4600">
-              <a:solidFill>
-                <a:srgbClr val="606060"/>
-              </a:solidFill>
-            </a:endParaRPr>
           </a:p>
           <a:p>
             <a:pPr lvl="3">
@@ -3360,11 +2734,6 @@
               </a:rPr>
               <a:t>正文级别 4</a:t>
             </a:r>
-            <a:endParaRPr sz="4600">
-              <a:solidFill>
-                <a:srgbClr val="606060"/>
-              </a:solidFill>
-            </a:endParaRPr>
           </a:p>
           <a:p>
             <a:pPr lvl="4">
@@ -3390,12 +2759,12 @@
   <p:clrMapOvr>
     <a:masterClrMapping/>
   </p:clrMapOvr>
-  <p:transition spd="med" advClick="1"/>
+  <p:transition spd="med"/>
 </p:sldLayout>
 </file>
 
-<file path=ppt/slideLayouts/slideLayout9.xml><?xml version="1.0" encoding="utf-8"?>
-<p:sldLayout xmlns:a="http://schemas.openxmlformats.org/drawingml/2006/main" xmlns:r="http://schemas.openxmlformats.org/officeDocument/2006/relationships" xmlns:p="http://schemas.openxmlformats.org/presentationml/2006/main" type="tx" showMasterSp="0" showMasterPhAnim="1">
+<file path=ppt/slideLayouts/slideLayout8.xml><?xml version="1.0" encoding="utf-8"?>
+<p:sldLayout xmlns:a="http://schemas.openxmlformats.org/drawingml/2006/main" xmlns:r="http://schemas.openxmlformats.org/officeDocument/2006/relationships" xmlns:p="http://schemas.openxmlformats.org/presentationml/2006/main" showMasterSp="0" type="tx">
   <p:cSld name="照片 - 3 联">
     <p:spTree>
       <p:nvGrpSpPr>
@@ -3442,7 +2811,7 @@
             </a:cxnLst>
             <a:rect l="0" t="0" r="r" b="b"/>
             <a:pathLst>
-              <a:path w="21600" h="0" fill="norm" stroke="1" extrusionOk="0">
+              <a:path w="21600" extrusionOk="0">
                 <a:moveTo>
                   <a:pt x="0" y="0"/>
                 </a:moveTo>
@@ -3483,6 +2852,7 @@
                 <a:sym typeface="Helvetica"/>
               </a:defRPr>
             </a:pPr>
+            <a:endParaRPr/>
           </a:p>
         </p:txBody>
       </p:sp>
@@ -3517,7 +2887,7 @@
             </a:cxnLst>
             <a:rect l="0" t="0" r="r" b="b"/>
             <a:pathLst>
-              <a:path w="21600" h="0" fill="norm" stroke="1" extrusionOk="0">
+              <a:path w="21600" extrusionOk="0">
                 <a:moveTo>
                   <a:pt x="0" y="0"/>
                 </a:moveTo>
@@ -3558,6 +2928,7 @@
                 <a:sym typeface="Helvetica"/>
               </a:defRPr>
             </a:pPr>
+            <a:endParaRPr/>
           </a:p>
         </p:txBody>
       </p:sp>
@@ -3566,7 +2937,185 @@
   <p:clrMapOvr>
     <a:masterClrMapping/>
   </p:clrMapOvr>
-  <p:transition spd="med" advClick="1"/>
+  <p:transition spd="med"/>
+</p:sldLayout>
+</file>
+
+<file path=ppt/slideLayouts/slideLayout9.xml><?xml version="1.0" encoding="utf-8"?>
+<p:sldLayout xmlns:a="http://schemas.openxmlformats.org/drawingml/2006/main" xmlns:r="http://schemas.openxmlformats.org/officeDocument/2006/relationships" xmlns:p="http://schemas.openxmlformats.org/presentationml/2006/main" showMasterSp="0" type="tx">
+  <p:cSld name="引文">
+    <p:spTree>
+      <p:nvGrpSpPr>
+        <p:cNvPr id="1" name=""/>
+        <p:cNvGrpSpPr/>
+        <p:nvPr/>
+      </p:nvGrpSpPr>
+      <p:grpSpPr>
+        <a:xfrm>
+          <a:off x="0" y="0"/>
+          <a:ext cx="0" cy="0"/>
+          <a:chOff x="0" y="0"/>
+          <a:chExt cx="0" cy="0"/>
+        </a:xfrm>
+      </p:grpSpPr>
+      <p:sp>
+        <p:nvSpPr>
+          <p:cNvPr id="46" name="Shape 46"/>
+          <p:cNvSpPr/>
+          <p:nvPr/>
+        </p:nvSpPr>
+        <p:spPr>
+          <a:xfrm>
+            <a:off x="952500" y="13004800"/>
+            <a:ext cx="22479000" cy="0"/>
+          </a:xfrm>
+          <a:custGeom>
+            <a:avLst/>
+            <a:gdLst/>
+            <a:ahLst/>
+            <a:cxnLst>
+              <a:cxn ang="0">
+                <a:pos x="wd2" y="hd2"/>
+              </a:cxn>
+              <a:cxn ang="5400000">
+                <a:pos x="wd2" y="hd2"/>
+              </a:cxn>
+              <a:cxn ang="10800000">
+                <a:pos x="wd2" y="hd2"/>
+              </a:cxn>
+              <a:cxn ang="16200000">
+                <a:pos x="wd2" y="hd2"/>
+              </a:cxn>
+            </a:cxnLst>
+            <a:rect l="0" t="0" r="r" b="b"/>
+            <a:pathLst>
+              <a:path w="21600" extrusionOk="0">
+                <a:moveTo>
+                  <a:pt x="0" y="0"/>
+                </a:moveTo>
+                <a:lnTo>
+                  <a:pt x="21600" y="0"/>
+                </a:lnTo>
+                <a:lnTo>
+                  <a:pt x="21600" y="0"/>
+                </a:lnTo>
+                <a:lnTo>
+                  <a:pt x="0" y="0"/>
+                </a:lnTo>
+                <a:close/>
+              </a:path>
+            </a:pathLst>
+          </a:custGeom>
+          <a:ln w="76200">
+            <a:solidFill>
+              <a:srgbClr val="444444">
+                <a:alpha val="30000"/>
+              </a:srgbClr>
+            </a:solidFill>
+            <a:miter lim="400000"/>
+          </a:ln>
+        </p:spPr>
+        <p:txBody>
+          <a:bodyPr lIns="0" tIns="0" rIns="0" bIns="0" anchor="ctr"/>
+          <a:lstStyle/>
+          <a:p>
+            <a:pPr lvl="0" algn="l" defTabSz="457200">
+              <a:defRPr sz="1200">
+                <a:solidFill>
+                  <a:srgbClr val="000000"/>
+                </a:solidFill>
+                <a:latin typeface="Helvetica"/>
+                <a:ea typeface="Helvetica"/>
+                <a:cs typeface="Helvetica"/>
+                <a:sym typeface="Helvetica"/>
+              </a:defRPr>
+            </a:pPr>
+            <a:endParaRPr/>
+          </a:p>
+        </p:txBody>
+      </p:sp>
+      <p:sp>
+        <p:nvSpPr>
+          <p:cNvPr id="47" name="Shape 47"/>
+          <p:cNvSpPr/>
+          <p:nvPr/>
+        </p:nvSpPr>
+        <p:spPr>
+          <a:xfrm>
+            <a:off x="952500" y="711200"/>
+            <a:ext cx="22479000" cy="0"/>
+          </a:xfrm>
+          <a:custGeom>
+            <a:avLst/>
+            <a:gdLst/>
+            <a:ahLst/>
+            <a:cxnLst>
+              <a:cxn ang="0">
+                <a:pos x="wd2" y="hd2"/>
+              </a:cxn>
+              <a:cxn ang="5400000">
+                <a:pos x="wd2" y="hd2"/>
+              </a:cxn>
+              <a:cxn ang="10800000">
+                <a:pos x="wd2" y="hd2"/>
+              </a:cxn>
+              <a:cxn ang="16200000">
+                <a:pos x="wd2" y="hd2"/>
+              </a:cxn>
+            </a:cxnLst>
+            <a:rect l="0" t="0" r="r" b="b"/>
+            <a:pathLst>
+              <a:path w="21600" extrusionOk="0">
+                <a:moveTo>
+                  <a:pt x="0" y="0"/>
+                </a:moveTo>
+                <a:lnTo>
+                  <a:pt x="21600" y="0"/>
+                </a:lnTo>
+                <a:lnTo>
+                  <a:pt x="21600" y="0"/>
+                </a:lnTo>
+                <a:lnTo>
+                  <a:pt x="0" y="0"/>
+                </a:lnTo>
+                <a:close/>
+              </a:path>
+            </a:pathLst>
+          </a:custGeom>
+          <a:ln w="12700">
+            <a:solidFill>
+              <a:srgbClr val="444444">
+                <a:alpha val="30000"/>
+              </a:srgbClr>
+            </a:solidFill>
+            <a:miter lim="400000"/>
+          </a:ln>
+        </p:spPr>
+        <p:txBody>
+          <a:bodyPr lIns="0" tIns="0" rIns="0" bIns="0" anchor="ctr"/>
+          <a:lstStyle/>
+          <a:p>
+            <a:pPr lvl="0" algn="l" defTabSz="457200">
+              <a:defRPr sz="1200">
+                <a:solidFill>
+                  <a:srgbClr val="000000"/>
+                </a:solidFill>
+                <a:latin typeface="Helvetica"/>
+                <a:ea typeface="Helvetica"/>
+                <a:cs typeface="Helvetica"/>
+                <a:sym typeface="Helvetica"/>
+              </a:defRPr>
+            </a:pPr>
+            <a:endParaRPr/>
+          </a:p>
+        </p:txBody>
+      </p:sp>
+    </p:spTree>
+  </p:cSld>
+  <p:clrMapOvr>
+    <a:masterClrMapping/>
+  </p:clrMapOvr>
+  <p:transition spd="med"/>
 </p:sldLayout>
 </file>
 
@@ -3576,10 +3125,11 @@
     <p:bg>
       <p:bgPr>
         <a:blipFill rotWithShape="1">
-          <a:blip r:embed="rId2"/>
-          <a:srcRect l="0" t="0" r="0" b="0"/>
+          <a:blip r:embed="rId13" cstate="print"/>
+          <a:srcRect/>
           <a:tile tx="0" ty="0" sx="100000" sy="100000" flip="none" algn="tl"/>
         </a:blipFill>
+        <a:effectLst/>
       </p:bgPr>
     </p:bg>
     <p:spTree>
@@ -3627,7 +3177,7 @@
             </a:cxnLst>
             <a:rect l="0" t="0" r="r" b="b"/>
             <a:pathLst>
-              <a:path w="21600" h="0" fill="norm" stroke="1" extrusionOk="0">
+              <a:path w="21600" extrusionOk="0">
                 <a:moveTo>
                   <a:pt x="0" y="0"/>
                 </a:moveTo>
@@ -3668,6 +3218,7 @@
                 <a:sym typeface="Helvetica"/>
               </a:defRPr>
             </a:pPr>
+            <a:endParaRPr/>
           </a:p>
         </p:txBody>
       </p:sp>
@@ -3702,7 +3253,7 @@
             </a:cxnLst>
             <a:rect l="0" t="0" r="r" b="b"/>
             <a:pathLst>
-              <a:path w="21600" h="0" fill="norm" stroke="1" extrusionOk="0">
+              <a:path w="21600" extrusionOk="0">
                 <a:moveTo>
                   <a:pt x="0" y="0"/>
                 </a:moveTo>
@@ -3743,6 +3294,7 @@
                 <a:sym typeface="Helvetica"/>
               </a:defRPr>
             </a:pPr>
+            <a:endParaRPr/>
           </a:p>
         </p:txBody>
       </p:sp>
@@ -3777,7 +3329,7 @@
             </a:cxnLst>
             <a:rect l="0" t="0" r="r" b="b"/>
             <a:pathLst>
-              <a:path w="21600" h="0" fill="norm" stroke="1" extrusionOk="0">
+              <a:path w="21600" extrusionOk="0">
                 <a:moveTo>
                   <a:pt x="0" y="0"/>
                 </a:moveTo>
@@ -3818,13 +3370,16 @@
                 <a:sym typeface="Helvetica"/>
               </a:defRPr>
             </a:pPr>
+            <a:endParaRPr/>
           </a:p>
         </p:txBody>
       </p:sp>
       <p:sp>
         <p:nvSpPr>
           <p:cNvPr id="5" name="Shape 5"/>
-          <p:cNvSpPr/>
+          <p:cNvSpPr>
+            <a:spLocks noGrp="1"/>
+          </p:cNvSpPr>
           <p:nvPr>
             <p:ph type="title"/>
           </p:nvPr>
@@ -3842,25 +3397,25 @@
           </a:ln>
           <a:extLst>
             <a:ext uri="{C572A759-6A51-4108-AA02-DFA0A04FC94B}">
-              <ma14:wrappingTextBoxFlag xmlns:ma14="http://schemas.microsoft.com/office/mac/drawingml/2011/main" val="1"/>
+              <ma14:wrappingTextBoxFlag xmlns:ma14="http://schemas.microsoft.com/office/mac/drawingml/2011/main" xmlns="" val="1"/>
             </a:ext>
           </a:extLst>
         </p:spPr>
         <p:txBody>
           <a:bodyPr lIns="0" tIns="0" rIns="0" bIns="0" anchor="ctr">
-            <a:normAutofit fontScale="100000" lnSpcReduction="0"/>
+            <a:normAutofit/>
           </a:bodyPr>
           <a:lstStyle/>
           <a:p>
             <a:pPr lvl="0">
-              <a:defRPr cap="none" sz="1800">
-                <a:solidFill>
-                  <a:srgbClr val="000000"/>
-                </a:solidFill>
-              </a:defRPr>
-            </a:pPr>
-            <a:r>
-              <a:rPr cap="all" sz="9000">
+              <a:defRPr sz="1800" cap="none">
+                <a:solidFill>
+                  <a:srgbClr val="000000"/>
+                </a:solidFill>
+              </a:defRPr>
+            </a:pPr>
+            <a:r>
+              <a:rPr sz="9000" cap="all">
                 <a:solidFill>
                   <a:srgbClr val="606060"/>
                 </a:solidFill>
@@ -3873,7 +3428,9 @@
       <p:sp>
         <p:nvSpPr>
           <p:cNvPr id="6" name="Shape 6"/>
-          <p:cNvSpPr/>
+          <p:cNvSpPr>
+            <a:spLocks noGrp="1"/>
+          </p:cNvSpPr>
           <p:nvPr>
             <p:ph type="body" idx="1"/>
           </p:nvPr>
@@ -3891,38 +3448,38 @@
           </a:ln>
           <a:extLst>
             <a:ext uri="{C572A759-6A51-4108-AA02-DFA0A04FC94B}">
-              <ma14:wrappingTextBoxFlag xmlns:ma14="http://schemas.microsoft.com/office/mac/drawingml/2011/main" val="1"/>
+              <ma14:wrappingTextBoxFlag xmlns:ma14="http://schemas.microsoft.com/office/mac/drawingml/2011/main" xmlns="" val="1"/>
             </a:ext>
           </a:extLst>
         </p:spPr>
         <p:txBody>
           <a:bodyPr lIns="0" tIns="0" rIns="0" bIns="0" anchor="ctr">
-            <a:normAutofit fontScale="100000" lnSpcReduction="0"/>
+            <a:normAutofit/>
           </a:bodyPr>
           <a:lstStyle>
             <a:lvl1pPr>
               <a:buBlip>
-                <a:blip r:embed="rId3"/>
+                <a:blip r:embed="rId14"/>
               </a:buBlip>
             </a:lvl1pPr>
             <a:lvl2pPr>
               <a:buBlip>
-                <a:blip r:embed="rId3"/>
+                <a:blip r:embed="rId14"/>
               </a:buBlip>
             </a:lvl2pPr>
             <a:lvl3pPr>
               <a:buBlip>
-                <a:blip r:embed="rId3"/>
+                <a:blip r:embed="rId14"/>
               </a:buBlip>
             </a:lvl3pPr>
             <a:lvl4pPr>
               <a:buBlip>
-                <a:blip r:embed="rId3"/>
+                <a:blip r:embed="rId14"/>
               </a:buBlip>
             </a:lvl4pPr>
             <a:lvl5pPr>
               <a:buBlip>
-                <a:blip r:embed="rId3"/>
+                <a:blip r:embed="rId14"/>
               </a:buBlip>
             </a:lvl5pPr>
           </a:lstStyle>
@@ -3942,11 +3499,6 @@
               </a:rPr>
               <a:t>正文级别 1</a:t>
             </a:r>
-            <a:endParaRPr sz="4600">
-              <a:solidFill>
-                <a:srgbClr val="606060"/>
-              </a:solidFill>
-            </a:endParaRPr>
           </a:p>
           <a:p>
             <a:pPr lvl="1">
@@ -3964,11 +3516,6 @@
               </a:rPr>
               <a:t>正文级别 2</a:t>
             </a:r>
-            <a:endParaRPr sz="4600">
-              <a:solidFill>
-                <a:srgbClr val="606060"/>
-              </a:solidFill>
-            </a:endParaRPr>
           </a:p>
           <a:p>
             <a:pPr lvl="2">
@@ -3986,11 +3533,6 @@
               </a:rPr>
               <a:t>正文级别 3</a:t>
             </a:r>
-            <a:endParaRPr sz="4600">
-              <a:solidFill>
-                <a:srgbClr val="606060"/>
-              </a:solidFill>
-            </a:endParaRPr>
           </a:p>
           <a:p>
             <a:pPr lvl="3">
@@ -4008,11 +3550,6 @@
               </a:rPr>
               <a:t>正文级别 4</a:t>
             </a:r>
-            <a:endParaRPr sz="4600">
-              <a:solidFill>
-                <a:srgbClr val="606060"/>
-              </a:solidFill>
-            </a:endParaRPr>
           </a:p>
           <a:p>
             <a:pPr lvl="4">
@@ -4037,27 +3574,26 @@
   </p:cSld>
   <p:clrMap bg1="lt1" tx1="dk1" bg2="lt2" tx2="dk2" accent1="accent1" accent2="accent2" accent3="accent3" accent4="accent4" accent5="accent5" accent6="accent6" hlink="hlink" folHlink="folHlink"/>
   <p:sldLayoutIdLst>
-    <p:sldLayoutId id="2147483649" r:id="rId4"/>
-    <p:sldLayoutId id="2147483650" r:id="rId5"/>
-    <p:sldLayoutId id="2147483651" r:id="rId6"/>
-    <p:sldLayoutId id="2147483652" r:id="rId7"/>
-    <p:sldLayoutId id="2147483653" r:id="rId8"/>
-    <p:sldLayoutId id="2147483654" r:id="rId9"/>
-    <p:sldLayoutId id="2147483655" r:id="rId10"/>
-    <p:sldLayoutId id="2147483656" r:id="rId11"/>
-    <p:sldLayoutId id="2147483657" r:id="rId12"/>
-    <p:sldLayoutId id="2147483658" r:id="rId13"/>
-    <p:sldLayoutId id="2147483659" r:id="rId14"/>
-    <p:sldLayoutId id="2147483660" r:id="rId15"/>
+    <p:sldLayoutId id="2147483649" r:id="rId1"/>
+    <p:sldLayoutId id="2147483651" r:id="rId2"/>
+    <p:sldLayoutId id="2147483652" r:id="rId3"/>
+    <p:sldLayoutId id="2147483653" r:id="rId4"/>
+    <p:sldLayoutId id="2147483654" r:id="rId5"/>
+    <p:sldLayoutId id="2147483655" r:id="rId6"/>
+    <p:sldLayoutId id="2147483656" r:id="rId7"/>
+    <p:sldLayoutId id="2147483657" r:id="rId8"/>
+    <p:sldLayoutId id="2147483658" r:id="rId9"/>
+    <p:sldLayoutId id="2147483659" r:id="rId10"/>
+    <p:sldLayoutId id="2147483660" r:id="rId11"/>
   </p:sldLayoutIdLst>
-  <p:transition spd="med" advClick="1"/>
+  <p:transition spd="med"/>
   <p:txStyles>
     <p:titleStyle>
       <a:lvl1pPr defTabSz="825500">
         <a:lnSpc>
           <a:spcPct val="90000"/>
         </a:lnSpc>
-        <a:defRPr cap="all" sz="9000">
+        <a:defRPr sz="9000" cap="all">
           <a:solidFill>
             <a:srgbClr val="606060"/>
           </a:solidFill>
@@ -4071,7 +3607,7 @@
         <a:lnSpc>
           <a:spcPct val="90000"/>
         </a:lnSpc>
-        <a:defRPr cap="all" sz="9000">
+        <a:defRPr sz="9000" cap="all">
           <a:solidFill>
             <a:srgbClr val="606060"/>
           </a:solidFill>
@@ -4085,7 +3621,7 @@
         <a:lnSpc>
           <a:spcPct val="90000"/>
         </a:lnSpc>
-        <a:defRPr cap="all" sz="9000">
+        <a:defRPr sz="9000" cap="all">
           <a:solidFill>
             <a:srgbClr val="606060"/>
           </a:solidFill>
@@ -4099,7 +3635,7 @@
         <a:lnSpc>
           <a:spcPct val="90000"/>
         </a:lnSpc>
-        <a:defRPr cap="all" sz="9000">
+        <a:defRPr sz="9000" cap="all">
           <a:solidFill>
             <a:srgbClr val="606060"/>
           </a:solidFill>
@@ -4113,7 +3649,7 @@
         <a:lnSpc>
           <a:spcPct val="90000"/>
         </a:lnSpc>
-        <a:defRPr cap="all" sz="9000">
+        <a:defRPr sz="9000" cap="all">
           <a:solidFill>
             <a:srgbClr val="606060"/>
           </a:solidFill>
@@ -4127,7 +3663,7 @@
         <a:lnSpc>
           <a:spcPct val="90000"/>
         </a:lnSpc>
-        <a:defRPr cap="all" sz="9000">
+        <a:defRPr sz="9000" cap="all">
           <a:solidFill>
             <a:srgbClr val="606060"/>
           </a:solidFill>
@@ -4141,7 +3677,7 @@
         <a:lnSpc>
           <a:spcPct val="90000"/>
         </a:lnSpc>
-        <a:defRPr cap="all" sz="9000">
+        <a:defRPr sz="9000" cap="all">
           <a:solidFill>
             <a:srgbClr val="606060"/>
           </a:solidFill>
@@ -4155,7 +3691,7 @@
         <a:lnSpc>
           <a:spcPct val="90000"/>
         </a:lnSpc>
-        <a:defRPr cap="all" sz="9000">
+        <a:defRPr sz="9000" cap="all">
           <a:solidFill>
             <a:srgbClr val="606060"/>
           </a:solidFill>
@@ -4169,7 +3705,7 @@
         <a:lnSpc>
           <a:spcPct val="90000"/>
         </a:lnSpc>
-        <a:defRPr cap="all" sz="9000">
+        <a:defRPr sz="9000" cap="all">
           <a:solidFill>
             <a:srgbClr val="606060"/>
           </a:solidFill>
@@ -4188,7 +3724,7 @@
         <a:buSzPct val="30000"/>
         <a:buFont typeface="Zapf Dingbats"/>
         <a:buBlip>
-          <a:blip r:embed="rId3"/>
+          <a:blip r:embed="rId14"/>
         </a:buBlip>
         <a:defRPr sz="4600">
           <a:solidFill>
@@ -4207,7 +3743,7 @@
         <a:buSzPct val="30000"/>
         <a:buFont typeface="Zapf Dingbats"/>
         <a:buBlip>
-          <a:blip r:embed="rId3"/>
+          <a:blip r:embed="rId14"/>
         </a:buBlip>
         <a:defRPr sz="4600">
           <a:solidFill>
@@ -4226,7 +3762,7 @@
         <a:buSzPct val="30000"/>
         <a:buFont typeface="Zapf Dingbats"/>
         <a:buBlip>
-          <a:blip r:embed="rId3"/>
+          <a:blip r:embed="rId14"/>
         </a:buBlip>
         <a:defRPr sz="4600">
           <a:solidFill>
@@ -4245,7 +3781,7 @@
         <a:buSzPct val="30000"/>
         <a:buFont typeface="Zapf Dingbats"/>
         <a:buBlip>
-          <a:blip r:embed="rId3"/>
+          <a:blip r:embed="rId14"/>
         </a:buBlip>
         <a:defRPr sz="4600">
           <a:solidFill>
@@ -4264,7 +3800,7 @@
         <a:buSzPct val="30000"/>
         <a:buFont typeface="Zapf Dingbats"/>
         <a:buBlip>
-          <a:blip r:embed="rId3"/>
+          <a:blip r:embed="rId14"/>
         </a:buBlip>
         <a:defRPr sz="4600">
           <a:solidFill>
@@ -4283,7 +3819,7 @@
         <a:buSzPct val="30000"/>
         <a:buFont typeface="Zapf Dingbats"/>
         <a:buBlip>
-          <a:blip r:embed="rId3"/>
+          <a:blip r:embed="rId14"/>
         </a:buBlip>
         <a:defRPr sz="4600">
           <a:solidFill>
@@ -4302,7 +3838,7 @@
         <a:buSzPct val="30000"/>
         <a:buFont typeface="Zapf Dingbats"/>
         <a:buBlip>
-          <a:blip r:embed="rId3"/>
+          <a:blip r:embed="rId14"/>
         </a:buBlip>
         <a:defRPr sz="4600">
           <a:solidFill>
@@ -4321,7 +3857,7 @@
         <a:buSzPct val="30000"/>
         <a:buFont typeface="Zapf Dingbats"/>
         <a:buBlip>
-          <a:blip r:embed="rId3"/>
+          <a:blip r:embed="rId14"/>
         </a:buBlip>
         <a:defRPr sz="4600">
           <a:solidFill>
@@ -4340,7 +3876,7 @@
         <a:buSzPct val="30000"/>
         <a:buFont typeface="Zapf Dingbats"/>
         <a:buBlip>
-          <a:blip r:embed="rId3"/>
+          <a:blip r:embed="rId14"/>
         </a:buBlip>
         <a:defRPr sz="4600">
           <a:solidFill>
@@ -4459,7 +3995,7 @@
 </file>
 
 <file path=ppt/slides/slide1.xml><?xml version="1.0" encoding="utf-8"?>
-<p:sld xmlns:a="http://schemas.openxmlformats.org/drawingml/2006/main" xmlns:r="http://schemas.openxmlformats.org/officeDocument/2006/relationships" xmlns:p="http://schemas.openxmlformats.org/presentationml/2006/main" showMasterSp="1" showMasterPhAnim="1">
+<p:sld xmlns:a="http://schemas.openxmlformats.org/drawingml/2006/main" xmlns:r="http://schemas.openxmlformats.org/officeDocument/2006/relationships" xmlns:p="http://schemas.openxmlformats.org/presentationml/2006/main">
   <p:cSld>
     <p:spTree>
       <p:nvGrpSpPr>
@@ -4478,7 +4014,9 @@
       <p:sp>
         <p:nvSpPr>
           <p:cNvPr id="57" name="Shape 57"/>
-          <p:cNvSpPr/>
+          <p:cNvSpPr>
+            <a:spLocks noGrp="1"/>
+          </p:cNvSpPr>
           <p:nvPr>
             <p:ph type="title"/>
           </p:nvPr>
@@ -4492,42 +4030,42 @@
           <a:bodyPr/>
           <a:lstStyle/>
           <a:p>
-            <a:pPr lvl="0">
-              <a:defRPr cap="none" sz="1800">
-                <a:solidFill>
-                  <a:srgbClr val="000000"/>
-                </a:solidFill>
-              </a:defRPr>
-            </a:pPr>
-            <a:r>
-              <a:rPr cap="all" sz="9000">
+            <a:pPr lvl="0" algn="ctr">
+              <a:defRPr sz="1800" cap="none">
+                <a:solidFill>
+                  <a:srgbClr val="000000"/>
+                </a:solidFill>
+              </a:defRPr>
+            </a:pPr>
+            <a:r>
+              <a:rPr lang="en-US" sz="9000" cap="all" dirty="0" err="1" smtClean="0">
                 <a:solidFill>
                   <a:srgbClr val="606060"/>
                 </a:solidFill>
               </a:rPr>
-              <a:t>aop</a:t>
-            </a:r>
-          </a:p>
-        </p:txBody>
-      </p:sp>
-      <p:sp>
-        <p:nvSpPr>
-          <p:cNvPr id="58" name="Shape 58"/>
-          <p:cNvSpPr/>
-          <p:nvPr>
-            <p:ph type="body" idx="1"/>
-          </p:nvPr>
-        </p:nvSpPr>
-        <p:spPr>
-          <a:prstGeom prst="rect">
-            <a:avLst/>
-          </a:prstGeom>
-        </p:spPr>
-        <p:txBody>
-          <a:bodyPr/>
-          <a:lstStyle/>
-          <a:p>
-            <a:pPr lvl="0"/>
+              <a:t>A</a:t>
+            </a:r>
+            <a:r>
+              <a:rPr sz="9000" cap="all" dirty="0" err="1" smtClean="0">
+                <a:solidFill>
+                  <a:srgbClr val="606060"/>
+                </a:solidFill>
+              </a:rPr>
+              <a:t>op</a:t>
+            </a:r>
+            <a:r>
+              <a:rPr lang="en-US" sz="9000" cap="all" dirty="0" smtClean="0">
+                <a:solidFill>
+                  <a:srgbClr val="606060"/>
+                </a:solidFill>
+              </a:rPr>
+              <a:t>   </a:t>
+            </a:r>
+            <a:endParaRPr sz="9000" cap="all" dirty="0">
+              <a:solidFill>
+                <a:srgbClr val="606060"/>
+              </a:solidFill>
+            </a:endParaRPr>
           </a:p>
         </p:txBody>
       </p:sp>
@@ -4536,12 +4074,12 @@
   <p:clrMapOvr>
     <a:masterClrMapping/>
   </p:clrMapOvr>
-  <p:transition spd="med" advClick="1"/>
+  <p:transition spd="med"/>
 </p:sld>
 </file>
 
 <file path=ppt/slides/slide10.xml><?xml version="1.0" encoding="utf-8"?>
-<p:sld xmlns:a="http://schemas.openxmlformats.org/drawingml/2006/main" xmlns:r="http://schemas.openxmlformats.org/officeDocument/2006/relationships" xmlns:p="http://schemas.openxmlformats.org/presentationml/2006/main" showMasterSp="1" showMasterPhAnim="1">
+<p:sld xmlns:a="http://schemas.openxmlformats.org/drawingml/2006/main" xmlns:r="http://schemas.openxmlformats.org/officeDocument/2006/relationships" xmlns:p="http://schemas.openxmlformats.org/presentationml/2006/main">
   <p:cSld>
     <p:spTree>
       <p:nvGrpSpPr>
@@ -4560,7 +4098,9 @@
       <p:sp>
         <p:nvSpPr>
           <p:cNvPr id="84" name="Shape 84"/>
-          <p:cNvSpPr/>
+          <p:cNvSpPr>
+            <a:spLocks noGrp="1"/>
+          </p:cNvSpPr>
           <p:nvPr>
             <p:ph type="title"/>
           </p:nvPr>
@@ -4574,14 +4114,20 @@
           <a:bodyPr/>
           <a:lstStyle/>
           <a:p>
-            <a:pPr lvl="0"/>
+            <a:r>
+              <a:rPr lang="en-US" altLang="zh-CN" dirty="0" smtClean="0"/>
+              <a:t>UNITY</a:t>
+            </a:r>
+            <a:endParaRPr dirty="0"/>
           </a:p>
         </p:txBody>
       </p:sp>
       <p:sp>
         <p:nvSpPr>
           <p:cNvPr id="85" name="Shape 85"/>
-          <p:cNvSpPr/>
+          <p:cNvSpPr>
+            <a:spLocks noGrp="1"/>
+          </p:cNvSpPr>
           <p:nvPr>
             <p:ph type="body" idx="1"/>
           </p:nvPr>
@@ -4600,6 +4146,7 @@
                 <a:blip r:embed="rId2"/>
               </a:buBlip>
             </a:pPr>
+            <a:endParaRPr dirty="0"/>
           </a:p>
         </p:txBody>
       </p:sp>
@@ -4608,12 +4155,220 @@
   <p:clrMapOvr>
     <a:masterClrMapping/>
   </p:clrMapOvr>
-  <p:transition spd="med" advClick="1"/>
+  <p:transition spd="med"/>
+</p:sld>
+</file>
+
+<file path=ppt/slides/slide11.xml><?xml version="1.0" encoding="utf-8"?>
+<p:sld xmlns:a="http://schemas.openxmlformats.org/drawingml/2006/main" xmlns:r="http://schemas.openxmlformats.org/officeDocument/2006/relationships" xmlns:p="http://schemas.openxmlformats.org/presentationml/2006/main">
+  <p:cSld>
+    <p:spTree>
+      <p:nvGrpSpPr>
+        <p:cNvPr id="1" name=""/>
+        <p:cNvGrpSpPr/>
+        <p:nvPr/>
+      </p:nvGrpSpPr>
+      <p:grpSpPr>
+        <a:xfrm>
+          <a:off x="0" y="0"/>
+          <a:ext cx="0" cy="0"/>
+          <a:chOff x="0" y="0"/>
+          <a:chExt cx="0" cy="0"/>
+        </a:xfrm>
+      </p:grpSpPr>
+      <p:sp>
+        <p:nvSpPr>
+          <p:cNvPr id="2" name="标题 1"/>
+          <p:cNvSpPr>
+            <a:spLocks noGrp="1"/>
+          </p:cNvSpPr>
+          <p:nvPr>
+            <p:ph type="title"/>
+          </p:nvPr>
+        </p:nvSpPr>
+        <p:spPr/>
+        <p:txBody>
+          <a:bodyPr/>
+          <a:lstStyle/>
+          <a:p>
+            <a:r>
+              <a:rPr lang="en-US" altLang="zh-CN" dirty="0" err="1" smtClean="0"/>
+              <a:t>Remoting</a:t>
+            </a:r>
+            <a:endParaRPr lang="zh-CN" altLang="en-US" dirty="0"/>
+          </a:p>
+        </p:txBody>
+      </p:sp>
+      <p:sp>
+        <p:nvSpPr>
+          <p:cNvPr id="3" name="文本占位符 2"/>
+          <p:cNvSpPr>
+            <a:spLocks noGrp="1"/>
+          </p:cNvSpPr>
+          <p:nvPr>
+            <p:ph type="body" idx="1"/>
+          </p:nvPr>
+        </p:nvSpPr>
+        <p:spPr/>
+        <p:txBody>
+          <a:bodyPr/>
+          <a:lstStyle/>
+          <a:p>
+            <a:endParaRPr lang="zh-CN" altLang="en-US"/>
+          </a:p>
+        </p:txBody>
+      </p:sp>
+    </p:spTree>
+  </p:cSld>
+  <p:clrMapOvr>
+    <a:masterClrMapping/>
+  </p:clrMapOvr>
+  <p:transition spd="med"/>
+</p:sld>
+</file>
+
+<file path=ppt/slides/slide12.xml><?xml version="1.0" encoding="utf-8"?>
+<p:sld xmlns:a="http://schemas.openxmlformats.org/drawingml/2006/main" xmlns:r="http://schemas.openxmlformats.org/officeDocument/2006/relationships" xmlns:p="http://schemas.openxmlformats.org/presentationml/2006/main">
+  <p:cSld>
+    <p:spTree>
+      <p:nvGrpSpPr>
+        <p:cNvPr id="1" name=""/>
+        <p:cNvGrpSpPr/>
+        <p:nvPr/>
+      </p:nvGrpSpPr>
+      <p:grpSpPr>
+        <a:xfrm>
+          <a:off x="0" y="0"/>
+          <a:ext cx="0" cy="0"/>
+          <a:chOff x="0" y="0"/>
+          <a:chExt cx="0" cy="0"/>
+        </a:xfrm>
+      </p:grpSpPr>
+      <p:sp>
+        <p:nvSpPr>
+          <p:cNvPr id="2" name="标题 1"/>
+          <p:cNvSpPr>
+            <a:spLocks noGrp="1"/>
+          </p:cNvSpPr>
+          <p:nvPr>
+            <p:ph type="title"/>
+          </p:nvPr>
+        </p:nvSpPr>
+        <p:spPr/>
+        <p:txBody>
+          <a:bodyPr/>
+          <a:lstStyle/>
+          <a:p>
+            <a:r>
+              <a:rPr lang="en-US" altLang="zh-CN" sz="9600" dirty="0" err="1" smtClean="0"/>
+              <a:t>MarshalByRefObject</a:t>
+            </a:r>
+            <a:endParaRPr lang="zh-CN" altLang="en-US" dirty="0"/>
+          </a:p>
+        </p:txBody>
+      </p:sp>
+      <p:sp>
+        <p:nvSpPr>
+          <p:cNvPr id="3" name="文本占位符 2"/>
+          <p:cNvSpPr>
+            <a:spLocks noGrp="1"/>
+          </p:cNvSpPr>
+          <p:nvPr>
+            <p:ph type="body" idx="1"/>
+          </p:nvPr>
+        </p:nvSpPr>
+        <p:spPr/>
+        <p:txBody>
+          <a:bodyPr/>
+          <a:lstStyle/>
+          <a:p>
+            <a:endParaRPr lang="zh-CN" altLang="en-US" dirty="0"/>
+          </a:p>
+        </p:txBody>
+      </p:sp>
+    </p:spTree>
+  </p:cSld>
+  <p:clrMapOvr>
+    <a:masterClrMapping/>
+  </p:clrMapOvr>
+  <p:transition spd="med"/>
+</p:sld>
+</file>
+
+<file path=ppt/slides/slide13.xml><?xml version="1.0" encoding="utf-8"?>
+<p:sld xmlns:a="http://schemas.openxmlformats.org/drawingml/2006/main" xmlns:r="http://schemas.openxmlformats.org/officeDocument/2006/relationships" xmlns:p="http://schemas.openxmlformats.org/presentationml/2006/main">
+  <p:cSld>
+    <p:spTree>
+      <p:nvGrpSpPr>
+        <p:cNvPr id="1" name=""/>
+        <p:cNvGrpSpPr/>
+        <p:nvPr/>
+      </p:nvGrpSpPr>
+      <p:grpSpPr>
+        <a:xfrm>
+          <a:off x="0" y="0"/>
+          <a:ext cx="0" cy="0"/>
+          <a:chOff x="0" y="0"/>
+          <a:chExt cx="0" cy="0"/>
+        </a:xfrm>
+      </p:grpSpPr>
+      <p:sp>
+        <p:nvSpPr>
+          <p:cNvPr id="2" name="标题 1"/>
+          <p:cNvSpPr>
+            <a:spLocks noGrp="1"/>
+          </p:cNvSpPr>
+          <p:nvPr>
+            <p:ph type="title"/>
+          </p:nvPr>
+        </p:nvSpPr>
+        <p:spPr/>
+        <p:txBody>
+          <a:bodyPr/>
+          <a:lstStyle/>
+          <a:p>
+            <a:r>
+              <a:rPr lang="en-US" altLang="zh-CN" sz="9600" dirty="0" smtClean="0"/>
+              <a:t>Castle\</a:t>
+            </a:r>
+            <a:r>
+              <a:rPr lang="en-US" altLang="zh-CN" sz="9600" dirty="0" err="1" smtClean="0"/>
+              <a:t>DynamicProxy</a:t>
+            </a:r>
+            <a:endParaRPr lang="zh-CN" altLang="en-US" dirty="0"/>
+          </a:p>
+        </p:txBody>
+      </p:sp>
+      <p:sp>
+        <p:nvSpPr>
+          <p:cNvPr id="3" name="文本占位符 2"/>
+          <p:cNvSpPr>
+            <a:spLocks noGrp="1"/>
+          </p:cNvSpPr>
+          <p:nvPr>
+            <p:ph type="body" idx="1"/>
+          </p:nvPr>
+        </p:nvSpPr>
+        <p:spPr/>
+        <p:txBody>
+          <a:bodyPr/>
+          <a:lstStyle/>
+          <a:p>
+            <a:endParaRPr lang="zh-CN" altLang="en-US" dirty="0"/>
+          </a:p>
+        </p:txBody>
+      </p:sp>
+    </p:spTree>
+  </p:cSld>
+  <p:clrMapOvr>
+    <a:masterClrMapping/>
+  </p:clrMapOvr>
+  <p:transition spd="med"/>
 </p:sld>
 </file>
 
 <file path=ppt/slides/slide2.xml><?xml version="1.0" encoding="utf-8"?>
-<p:sld xmlns:a="http://schemas.openxmlformats.org/drawingml/2006/main" xmlns:r="http://schemas.openxmlformats.org/officeDocument/2006/relationships" xmlns:p="http://schemas.openxmlformats.org/presentationml/2006/main" showMasterSp="1" showMasterPhAnim="1">
+<p:sld xmlns:a="http://schemas.openxmlformats.org/drawingml/2006/main" xmlns:r="http://schemas.openxmlformats.org/officeDocument/2006/relationships" xmlns:p="http://schemas.openxmlformats.org/presentationml/2006/main">
   <p:cSld>
     <p:spTree>
       <p:nvGrpSpPr>
@@ -4632,7 +4387,9 @@
       <p:sp>
         <p:nvSpPr>
           <p:cNvPr id="60" name="Shape 60"/>
-          <p:cNvSpPr/>
+          <p:cNvSpPr>
+            <a:spLocks noGrp="1"/>
+          </p:cNvSpPr>
           <p:nvPr>
             <p:ph type="title"/>
           </p:nvPr>
@@ -4651,27 +4408,34 @@
           <a:lstStyle/>
           <a:p>
             <a:pPr lvl="0">
-              <a:defRPr cap="none" sz="1800">
-                <a:solidFill>
-                  <a:srgbClr val="000000"/>
-                </a:solidFill>
-              </a:defRPr>
-            </a:pPr>
-            <a:r>
-              <a:rPr cap="all" sz="9000">
+              <a:defRPr sz="1800" cap="none">
+                <a:solidFill>
+                  <a:srgbClr val="000000"/>
+                </a:solidFill>
+              </a:defRPr>
+            </a:pPr>
+            <a:r>
+              <a:rPr sz="9000" cap="all" dirty="0" err="1" smtClean="0">
                 <a:solidFill>
                   <a:srgbClr val="606060"/>
                 </a:solidFill>
               </a:rPr>
-              <a:t>aop是什么</a:t>
-            </a:r>
+              <a:t>aop</a:t>
+            </a:r>
+            <a:endParaRPr sz="9000" cap="all" dirty="0">
+              <a:solidFill>
+                <a:srgbClr val="606060"/>
+              </a:solidFill>
+            </a:endParaRPr>
           </a:p>
         </p:txBody>
       </p:sp>
       <p:sp>
         <p:nvSpPr>
           <p:cNvPr id="61" name="Shape 61"/>
-          <p:cNvSpPr/>
+          <p:cNvSpPr>
+            <a:spLocks noGrp="1"/>
+          </p:cNvSpPr>
           <p:nvPr>
             <p:ph type="body" idx="1"/>
           </p:nvPr>
@@ -4686,13 +4450,12 @@
           </a:prstGeom>
         </p:spPr>
         <p:txBody>
-          <a:bodyPr/>
+          <a:bodyPr>
+            <a:normAutofit/>
+          </a:bodyPr>
           <a:lstStyle/>
           <a:p>
             <a:pPr lvl="0">
-              <a:buBlip>
-                <a:blip r:embed="rId2"/>
-              </a:buBlip>
               <a:defRPr sz="1800">
                 <a:solidFill>
                   <a:srgbClr val="000000"/>
@@ -4700,24 +4463,29 @@
               </a:defRPr>
             </a:pPr>
             <a:r>
-              <a:rPr sz="4600">
-                <a:solidFill>
-                  <a:srgbClr val="606060"/>
+              <a:rPr lang="en-US" sz="4400" dirty="0" smtClean="0">
+                <a:solidFill>
+                  <a:schemeClr val="tx2"/>
+                </a:solidFill>
+              </a:rPr>
+              <a:t>Aspect Oriented Programming </a:t>
+            </a:r>
+            <a:r>
+              <a:rPr sz="4400" dirty="0" err="1" smtClean="0">
+                <a:solidFill>
+                  <a:schemeClr val="tx2"/>
                 </a:solidFill>
               </a:rPr>
               <a:t>面向切面编程</a:t>
             </a:r>
-            <a:endParaRPr sz="4600">
+            <a:endParaRPr sz="4400" dirty="0">
               <a:solidFill>
-                <a:srgbClr val="606060"/>
+                <a:schemeClr val="tx2"/>
               </a:solidFill>
             </a:endParaRPr>
           </a:p>
           <a:p>
             <a:pPr lvl="0">
-              <a:buBlip>
-                <a:blip r:embed="rId2"/>
-              </a:buBlip>
               <a:defRPr sz="1800">
                 <a:solidFill>
                   <a:srgbClr val="000000"/>
@@ -4725,38 +4493,26 @@
               </a:defRPr>
             </a:pPr>
             <a:r>
-              <a:rPr sz="4600">
-                <a:solidFill>
-                  <a:srgbClr val="606060"/>
+              <a:rPr sz="4400" dirty="0" err="1" smtClean="0">
+                <a:solidFill>
+                  <a:schemeClr val="tx2"/>
                 </a:solidFill>
               </a:rPr>
-              <a:t>能解决什么问题：它能帮助我们只关注业务逻辑。</a:t>
-            </a:r>
-            <a:endParaRPr sz="4600">
+              <a:t>简单的来说</a:t>
+            </a:r>
+            <a:r>
+              <a:rPr sz="4400" dirty="0" err="1">
+                <a:solidFill>
+                  <a:schemeClr val="tx2"/>
+                </a:solidFill>
+              </a:rPr>
+              <a:t>，就是在你的方法开始位置或返回前加入制定的代码</a:t>
+            </a:r>
+            <a:endParaRPr sz="4400" dirty="0">
               <a:solidFill>
-                <a:srgbClr val="606060"/>
+                <a:schemeClr val="tx2"/>
               </a:solidFill>
             </a:endParaRPr>
-          </a:p>
-          <a:p>
-            <a:pPr lvl="0">
-              <a:buBlip>
-                <a:blip r:embed="rId2"/>
-              </a:buBlip>
-              <a:defRPr sz="1800">
-                <a:solidFill>
-                  <a:srgbClr val="000000"/>
-                </a:solidFill>
-              </a:defRPr>
-            </a:pPr>
-            <a:r>
-              <a:rPr sz="4600">
-                <a:solidFill>
-                  <a:srgbClr val="606060"/>
-                </a:solidFill>
-              </a:rPr>
-              <a:t>简单的来说，就是在你的方法开始位置或返回前加入制定的代码</a:t>
-            </a:r>
           </a:p>
         </p:txBody>
       </p:sp>
@@ -4765,12 +4521,345 @@
   <p:clrMapOvr>
     <a:masterClrMapping/>
   </p:clrMapOvr>
-  <p:transition spd="med" advClick="1"/>
+  <p:transition spd="med"/>
 </p:sld>
 </file>
 
 <file path=ppt/slides/slide3.xml><?xml version="1.0" encoding="utf-8"?>
-<p:sld xmlns:a="http://schemas.openxmlformats.org/drawingml/2006/main" xmlns:r="http://schemas.openxmlformats.org/officeDocument/2006/relationships" xmlns:p="http://schemas.openxmlformats.org/presentationml/2006/main" showMasterSp="1" showMasterPhAnim="1">
+<p:sld xmlns:a="http://schemas.openxmlformats.org/drawingml/2006/main" xmlns:r="http://schemas.openxmlformats.org/officeDocument/2006/relationships" xmlns:p="http://schemas.openxmlformats.org/presentationml/2006/main">
+  <p:cSld>
+    <p:spTree>
+      <p:nvGrpSpPr>
+        <p:cNvPr id="1" name=""/>
+        <p:cNvGrpSpPr/>
+        <p:nvPr/>
+      </p:nvGrpSpPr>
+      <p:grpSpPr>
+        <a:xfrm>
+          <a:off x="0" y="0"/>
+          <a:ext cx="0" cy="0"/>
+          <a:chOff x="0" y="0"/>
+          <a:chExt cx="0" cy="0"/>
+        </a:xfrm>
+      </p:grpSpPr>
+      <p:sp>
+        <p:nvSpPr>
+          <p:cNvPr id="81" name="Shape 81"/>
+          <p:cNvSpPr>
+            <a:spLocks noGrp="1"/>
+          </p:cNvSpPr>
+          <p:nvPr>
+            <p:ph type="title"/>
+          </p:nvPr>
+        </p:nvSpPr>
+        <p:spPr>
+          <a:xfrm>
+            <a:off x="952500" y="844550"/>
+            <a:ext cx="22479000" cy="2679700"/>
+          </a:xfrm>
+          <a:prstGeom prst="rect">
+            <a:avLst/>
+          </a:prstGeom>
+        </p:spPr>
+        <p:txBody>
+          <a:bodyPr/>
+          <a:lstStyle/>
+          <a:p>
+            <a:pPr lvl="0">
+              <a:defRPr sz="1800" cap="none">
+                <a:solidFill>
+                  <a:srgbClr val="000000"/>
+                </a:solidFill>
+              </a:defRPr>
+            </a:pPr>
+            <a:r>
+              <a:rPr sz="9000" cap="all" dirty="0" err="1">
+                <a:solidFill>
+                  <a:srgbClr val="606060"/>
+                </a:solidFill>
+              </a:rPr>
+              <a:t>aop能做什么</a:t>
+            </a:r>
+            <a:endParaRPr sz="9000" cap="all" dirty="0">
+              <a:solidFill>
+                <a:srgbClr val="606060"/>
+              </a:solidFill>
+            </a:endParaRPr>
+          </a:p>
+        </p:txBody>
+      </p:sp>
+      <p:sp>
+        <p:nvSpPr>
+          <p:cNvPr id="82" name="Shape 82"/>
+          <p:cNvSpPr>
+            <a:spLocks noGrp="1"/>
+          </p:cNvSpPr>
+          <p:nvPr>
+            <p:ph type="body" idx="1"/>
+          </p:nvPr>
+        </p:nvSpPr>
+        <p:spPr>
+          <a:prstGeom prst="rect">
+            <a:avLst/>
+          </a:prstGeom>
+        </p:spPr>
+        <p:txBody>
+          <a:bodyPr/>
+          <a:lstStyle/>
+          <a:p>
+            <a:pPr>
+              <a:defRPr sz="1800">
+                <a:solidFill>
+                  <a:srgbClr val="000000"/>
+                </a:solidFill>
+              </a:defRPr>
+            </a:pPr>
+            <a:r>
+              <a:rPr sz="4400" dirty="0" err="1" smtClean="0">
+                <a:solidFill>
+                  <a:schemeClr val="tx2"/>
+                </a:solidFill>
+              </a:rPr>
+              <a:t>日志</a:t>
+            </a:r>
+            <a:r>
+              <a:rPr lang="zh-CN" altLang="en-US" sz="4400" dirty="0" smtClean="0">
+                <a:solidFill>
+                  <a:schemeClr val="tx2"/>
+                </a:solidFill>
+              </a:rPr>
+              <a:t>记录</a:t>
+            </a:r>
+            <a:endParaRPr sz="4400" dirty="0">
+              <a:solidFill>
+                <a:schemeClr val="tx2"/>
+              </a:solidFill>
+            </a:endParaRPr>
+          </a:p>
+          <a:p>
+            <a:pPr>
+              <a:defRPr sz="1800">
+                <a:solidFill>
+                  <a:srgbClr val="000000"/>
+                </a:solidFill>
+              </a:defRPr>
+            </a:pPr>
+            <a:r>
+              <a:rPr sz="4400" dirty="0" err="1" smtClean="0">
+                <a:solidFill>
+                  <a:schemeClr val="tx2"/>
+                </a:solidFill>
+              </a:rPr>
+              <a:t>权限验证</a:t>
+            </a:r>
+            <a:endParaRPr lang="en-US" sz="4400" dirty="0" smtClean="0">
+              <a:solidFill>
+                <a:schemeClr val="tx2"/>
+              </a:solidFill>
+            </a:endParaRPr>
+          </a:p>
+          <a:p>
+            <a:pPr lvl="0">
+              <a:defRPr sz="1800">
+                <a:solidFill>
+                  <a:srgbClr val="000000"/>
+                </a:solidFill>
+              </a:defRPr>
+            </a:pPr>
+            <a:r>
+              <a:rPr lang="zh-CN" altLang="en-US" sz="4400" dirty="0" smtClean="0">
+                <a:solidFill>
+                  <a:schemeClr val="tx2"/>
+                </a:solidFill>
+              </a:rPr>
+              <a:t>事务控制</a:t>
+            </a:r>
+          </a:p>
+          <a:p>
+            <a:pPr>
+              <a:defRPr sz="1800">
+                <a:solidFill>
+                  <a:srgbClr val="000000"/>
+                </a:solidFill>
+              </a:defRPr>
+            </a:pPr>
+            <a:r>
+              <a:rPr lang="zh-CN" altLang="en-US" sz="4400" dirty="0" smtClean="0">
+                <a:solidFill>
+                  <a:schemeClr val="tx2"/>
+                </a:solidFill>
+              </a:rPr>
+              <a:t>异常处理</a:t>
+            </a:r>
+            <a:endParaRPr lang="en-US" altLang="zh-CN" sz="4400" dirty="0" smtClean="0">
+              <a:solidFill>
+                <a:schemeClr val="tx2"/>
+              </a:solidFill>
+            </a:endParaRPr>
+          </a:p>
+          <a:p>
+            <a:pPr>
+              <a:defRPr sz="1800">
+                <a:solidFill>
+                  <a:srgbClr val="000000"/>
+                </a:solidFill>
+              </a:defRPr>
+            </a:pPr>
+            <a:r>
+              <a:rPr lang="en-US" sz="4400" dirty="0" smtClean="0">
+                <a:solidFill>
+                  <a:schemeClr val="tx2"/>
+                </a:solidFill>
+              </a:rPr>
+              <a:t>……</a:t>
+            </a:r>
+            <a:endParaRPr sz="4400" dirty="0">
+              <a:solidFill>
+                <a:schemeClr val="tx2"/>
+              </a:solidFill>
+            </a:endParaRPr>
+          </a:p>
+        </p:txBody>
+      </p:sp>
+    </p:spTree>
+  </p:cSld>
+  <p:clrMapOvr>
+    <a:masterClrMapping/>
+  </p:clrMapOvr>
+  <p:transition spd="med"/>
+</p:sld>
+</file>
+
+<file path=ppt/slides/slide4.xml><?xml version="1.0" encoding="utf-8"?>
+<p:sld xmlns:a="http://schemas.openxmlformats.org/drawingml/2006/main" xmlns:r="http://schemas.openxmlformats.org/officeDocument/2006/relationships" xmlns:p="http://schemas.openxmlformats.org/presentationml/2006/main">
+  <p:cSld>
+    <p:spTree>
+      <p:nvGrpSpPr>
+        <p:cNvPr id="1" name=""/>
+        <p:cNvGrpSpPr/>
+        <p:nvPr/>
+      </p:nvGrpSpPr>
+      <p:grpSpPr>
+        <a:xfrm>
+          <a:off x="0" y="0"/>
+          <a:ext cx="0" cy="0"/>
+          <a:chOff x="0" y="0"/>
+          <a:chExt cx="0" cy="0"/>
+        </a:xfrm>
+      </p:grpSpPr>
+      <p:sp>
+        <p:nvSpPr>
+          <p:cNvPr id="2" name="标题 1"/>
+          <p:cNvSpPr>
+            <a:spLocks noGrp="1"/>
+          </p:cNvSpPr>
+          <p:nvPr>
+            <p:ph type="title"/>
+          </p:nvPr>
+        </p:nvSpPr>
+        <p:spPr/>
+        <p:txBody>
+          <a:bodyPr/>
+          <a:lstStyle/>
+          <a:p>
+            <a:r>
+              <a:rPr lang="zh-CN" altLang="en-US" dirty="0" smtClean="0"/>
+              <a:t>有什么好处呢</a:t>
+            </a:r>
+            <a:endParaRPr lang="zh-CN" altLang="en-US" dirty="0"/>
+          </a:p>
+        </p:txBody>
+      </p:sp>
+      <p:sp>
+        <p:nvSpPr>
+          <p:cNvPr id="3" name="文本占位符 2"/>
+          <p:cNvSpPr>
+            <a:spLocks noGrp="1"/>
+          </p:cNvSpPr>
+          <p:nvPr>
+            <p:ph type="body" idx="1"/>
+          </p:nvPr>
+        </p:nvSpPr>
+        <p:spPr/>
+        <p:txBody>
+          <a:bodyPr>
+            <a:normAutofit/>
+          </a:bodyPr>
+          <a:lstStyle/>
+          <a:p>
+            <a:pPr>
+              <a:defRPr sz="1800">
+                <a:solidFill>
+                  <a:srgbClr val="000000"/>
+                </a:solidFill>
+              </a:defRPr>
+            </a:pPr>
+            <a:r>
+              <a:rPr lang="zh-CN" altLang="en-US" sz="4400" dirty="0" smtClean="0">
+                <a:solidFill>
+                  <a:schemeClr val="tx2"/>
+                </a:solidFill>
+              </a:rPr>
+              <a:t>将日志记录、异常处理等非业务逻辑代码从业务代码中划分出来</a:t>
+            </a:r>
+            <a:endParaRPr lang="en-US" altLang="zh-CN" sz="4400" dirty="0" smtClean="0">
+              <a:solidFill>
+                <a:schemeClr val="tx2"/>
+              </a:solidFill>
+            </a:endParaRPr>
+          </a:p>
+          <a:p>
+            <a:pPr>
+              <a:defRPr sz="1800">
+                <a:solidFill>
+                  <a:srgbClr val="000000"/>
+                </a:solidFill>
+              </a:defRPr>
+            </a:pPr>
+            <a:r>
+              <a:rPr lang="zh-CN" altLang="en-US" sz="4400" dirty="0" smtClean="0">
+                <a:solidFill>
+                  <a:schemeClr val="tx2"/>
+                </a:solidFill>
+              </a:rPr>
+              <a:t>独立实现非业务逻辑，进而改变化些行为不影响业务代码</a:t>
+            </a:r>
+            <a:endParaRPr lang="en-US" altLang="zh-CN" sz="4400" dirty="0" smtClean="0">
+              <a:solidFill>
+                <a:schemeClr val="tx2"/>
+              </a:solidFill>
+            </a:endParaRPr>
+          </a:p>
+          <a:p>
+            <a:pPr>
+              <a:defRPr sz="1800">
+                <a:solidFill>
+                  <a:srgbClr val="000000"/>
+                </a:solidFill>
+              </a:defRPr>
+            </a:pPr>
+            <a:r>
+              <a:rPr lang="zh-CN" altLang="en-US" sz="4400" dirty="0" smtClean="0">
+                <a:solidFill>
+                  <a:schemeClr val="tx2"/>
+                </a:solidFill>
+              </a:rPr>
+              <a:t>提高代码重用性等</a:t>
+            </a:r>
+          </a:p>
+        </p:txBody>
+      </p:sp>
+    </p:spTree>
+  </p:cSld>
+  <p:clrMapOvr>
+    <a:masterClrMapping/>
+  </p:clrMapOvr>
+  <p:transition spd="med"/>
+</p:sld>
+</file>
+
+<file path=ppt/slides/slide5.xml><?xml version="1.0" encoding="utf-8"?>
+<p:sld xmlns:a="http://schemas.openxmlformats.org/drawingml/2006/main" xmlns:r="http://schemas.openxmlformats.org/officeDocument/2006/relationships" xmlns:p="http://schemas.openxmlformats.org/presentationml/2006/main">
   <p:cSld>
     <p:spTree>
       <p:nvGrpSpPr>
@@ -4789,7 +4878,9 @@
       <p:sp>
         <p:nvSpPr>
           <p:cNvPr id="63" name="Shape 63"/>
-          <p:cNvSpPr/>
+          <p:cNvSpPr>
+            <a:spLocks noGrp="1"/>
+          </p:cNvSpPr>
           <p:nvPr>
             <p:ph type="title"/>
           </p:nvPr>
@@ -4808,27 +4899,34 @@
           <a:lstStyle/>
           <a:p>
             <a:pPr lvl="0">
-              <a:defRPr cap="none" sz="1800">
-                <a:solidFill>
-                  <a:srgbClr val="000000"/>
-                </a:solidFill>
-              </a:defRPr>
-            </a:pPr>
-            <a:r>
-              <a:rPr cap="all" sz="9000">
+              <a:defRPr sz="1800" cap="none">
+                <a:solidFill>
+                  <a:srgbClr val="000000"/>
+                </a:solidFill>
+              </a:defRPr>
+            </a:pPr>
+            <a:r>
+              <a:rPr sz="9000" cap="all" dirty="0" err="1">
                 <a:solidFill>
                   <a:srgbClr val="606060"/>
                 </a:solidFill>
               </a:rPr>
               <a:t>aop实现方式</a:t>
             </a:r>
+            <a:endParaRPr sz="9000" cap="all" dirty="0">
+              <a:solidFill>
+                <a:srgbClr val="606060"/>
+              </a:solidFill>
+            </a:endParaRPr>
           </a:p>
         </p:txBody>
       </p:sp>
       <p:sp>
         <p:nvSpPr>
           <p:cNvPr id="64" name="Shape 64"/>
-          <p:cNvSpPr/>
+          <p:cNvSpPr>
+            <a:spLocks noGrp="1"/>
+          </p:cNvSpPr>
           <p:nvPr>
             <p:ph type="body" idx="1"/>
           </p:nvPr>
@@ -4843,13 +4941,12 @@
           </a:prstGeom>
         </p:spPr>
         <p:txBody>
-          <a:bodyPr/>
+          <a:bodyPr>
+            <a:normAutofit/>
+          </a:bodyPr>
           <a:lstStyle/>
           <a:p>
             <a:pPr lvl="0">
-              <a:buBlip>
-                <a:blip r:embed="rId2"/>
-              </a:buBlip>
               <a:defRPr sz="1800">
                 <a:solidFill>
                   <a:srgbClr val="000000"/>
@@ -4857,24 +4954,60 @@
               </a:defRPr>
             </a:pPr>
             <a:r>
-              <a:rPr sz="4600">
-                <a:solidFill>
-                  <a:srgbClr val="606060"/>
+              <a:rPr lang="zh-CN" altLang="en-US" sz="4400" dirty="0" smtClean="0">
+                <a:solidFill>
+                  <a:schemeClr val="tx2"/>
                 </a:solidFill>
               </a:rPr>
-              <a:t>静态织入：优势执行效率快，所有方法都可以织入。缺点灵活性不好，需要特点的工具</a:t>
-            </a:r>
-            <a:endParaRPr sz="4600">
+              <a:t>一、静态织入：</a:t>
+            </a:r>
+            <a:endParaRPr lang="en-US" altLang="zh-CN" sz="4400" dirty="0" smtClean="0">
               <a:solidFill>
-                <a:srgbClr val="606060"/>
+                <a:schemeClr val="tx2"/>
               </a:solidFill>
             </a:endParaRPr>
           </a:p>
           <a:p>
+            <a:pPr lvl="2">
+              <a:defRPr sz="1800">
+                <a:solidFill>
+                  <a:srgbClr val="000000"/>
+                </a:solidFill>
+              </a:defRPr>
+            </a:pPr>
+            <a:r>
+              <a:rPr lang="zh-CN" altLang="en-US" sz="4400" dirty="0" smtClean="0">
+                <a:solidFill>
+                  <a:schemeClr val="tx2"/>
+                </a:solidFill>
+              </a:rPr>
+              <a:t>优势执行效率快，所有方法都可以织入。</a:t>
+            </a:r>
+            <a:endParaRPr lang="en-US" altLang="zh-CN" sz="4400" dirty="0" smtClean="0">
+              <a:solidFill>
+                <a:schemeClr val="tx2"/>
+              </a:solidFill>
+            </a:endParaRPr>
+          </a:p>
+          <a:p>
+            <a:pPr lvl="2">
+              <a:defRPr sz="1800">
+                <a:solidFill>
+                  <a:srgbClr val="000000"/>
+                </a:solidFill>
+              </a:defRPr>
+            </a:pPr>
+            <a:r>
+              <a:rPr lang="zh-CN" altLang="en-US" sz="4400" dirty="0" smtClean="0">
+                <a:solidFill>
+                  <a:schemeClr val="tx2"/>
+                </a:solidFill>
+              </a:rPr>
+              <a:t>缺点灵活性不好，需要特点的工具</a:t>
+            </a:r>
+          </a:p>
+          <a:p>
             <a:pPr lvl="0">
-              <a:buBlip>
-                <a:blip r:embed="rId2"/>
-              </a:buBlip>
               <a:defRPr sz="1800">
                 <a:solidFill>
                   <a:srgbClr val="000000"/>
@@ -4882,16 +5015,60 @@
               </a:defRPr>
             </a:pPr>
             <a:r>
-              <a:rPr sz="4600">
-                <a:solidFill>
-                  <a:srgbClr val="606060"/>
+              <a:rPr lang="zh-CN" altLang="en-US" sz="4400" dirty="0" smtClean="0">
+                <a:solidFill>
+                  <a:schemeClr val="tx2"/>
                 </a:solidFill>
               </a:rPr>
-              <a:t>动态织入：优势实现方式比较灵活，有很多类库可以实现，缺点性能会有所消耗，并且只能对接口方法或抽象方法织入。</a:t>
-            </a:r>
-            <a:endParaRPr sz="4600">
+              <a:t>二、动态织入：</a:t>
+            </a:r>
+            <a:endParaRPr lang="en-US" altLang="zh-CN" sz="4400" dirty="0" smtClean="0">
               <a:solidFill>
-                <a:srgbClr val="606060"/>
+                <a:schemeClr val="tx2"/>
+              </a:solidFill>
+            </a:endParaRPr>
+          </a:p>
+          <a:p>
+            <a:pPr lvl="2">
+              <a:defRPr sz="1800">
+                <a:solidFill>
+                  <a:srgbClr val="000000"/>
+                </a:solidFill>
+              </a:defRPr>
+            </a:pPr>
+            <a:r>
+              <a:rPr lang="zh-CN" altLang="en-US" sz="4400" dirty="0" smtClean="0">
+                <a:solidFill>
+                  <a:schemeClr val="tx2"/>
+                </a:solidFill>
+              </a:rPr>
+              <a:t>优势实现方式比较灵活，有很多类库可以实现。</a:t>
+            </a:r>
+            <a:endParaRPr lang="en-US" altLang="zh-CN" sz="4400" dirty="0" smtClean="0">
+              <a:solidFill>
+                <a:schemeClr val="tx2"/>
+              </a:solidFill>
+            </a:endParaRPr>
+          </a:p>
+          <a:p>
+            <a:pPr lvl="2">
+              <a:defRPr sz="1800">
+                <a:solidFill>
+                  <a:srgbClr val="000000"/>
+                </a:solidFill>
+              </a:defRPr>
+            </a:pPr>
+            <a:r>
+              <a:rPr lang="zh-CN" altLang="en-US" sz="4400" dirty="0" smtClean="0">
+                <a:solidFill>
+                  <a:schemeClr val="tx2"/>
+                </a:solidFill>
+              </a:rPr>
+              <a:t>缺点性能会有所消耗，并且只能对接口方法或抽象方法织入。</a:t>
+            </a:r>
+            <a:endParaRPr lang="zh-CN" altLang="en-US" sz="4400" dirty="0">
+              <a:solidFill>
+                <a:schemeClr val="tx2"/>
               </a:solidFill>
             </a:endParaRPr>
           </a:p>
@@ -4902,12 +5079,12 @@
   <p:clrMapOvr>
     <a:masterClrMapping/>
   </p:clrMapOvr>
-  <p:transition spd="med" advClick="1"/>
+  <p:transition spd="med"/>
 </p:sld>
 </file>
 
-<file path=ppt/slides/slide4.xml><?xml version="1.0" encoding="utf-8"?>
-<p:sld xmlns:a="http://schemas.openxmlformats.org/drawingml/2006/main" xmlns:r="http://schemas.openxmlformats.org/officeDocument/2006/relationships" xmlns:p="http://schemas.openxmlformats.org/presentationml/2006/main" showMasterSp="1" showMasterPhAnim="1">
+<file path=ppt/slides/slide6.xml><?xml version="1.0" encoding="utf-8"?>
+<p:sld xmlns:a="http://schemas.openxmlformats.org/drawingml/2006/main" xmlns:r="http://schemas.openxmlformats.org/officeDocument/2006/relationships" xmlns:p="http://schemas.openxmlformats.org/presentationml/2006/main">
   <p:cSld>
     <p:spTree>
       <p:nvGrpSpPr>
@@ -4926,7 +5103,9 @@
       <p:sp>
         <p:nvSpPr>
           <p:cNvPr id="66" name="Shape 66"/>
-          <p:cNvSpPr/>
+          <p:cNvSpPr>
+            <a:spLocks noGrp="1"/>
+          </p:cNvSpPr>
           <p:nvPr>
             <p:ph type="title"/>
           </p:nvPr>
@@ -4941,27 +5120,34 @@
           <a:lstStyle/>
           <a:p>
             <a:pPr lvl="0">
-              <a:defRPr cap="none" sz="1800">
-                <a:solidFill>
-                  <a:srgbClr val="000000"/>
-                </a:solidFill>
-              </a:defRPr>
-            </a:pPr>
-            <a:r>
-              <a:rPr cap="all" sz="9000">
+              <a:defRPr sz="1800" cap="none">
+                <a:solidFill>
+                  <a:srgbClr val="000000"/>
+                </a:solidFill>
+              </a:defRPr>
+            </a:pPr>
+            <a:r>
+              <a:rPr sz="9000" cap="all" dirty="0" err="1" smtClean="0">
                 <a:solidFill>
                   <a:srgbClr val="606060"/>
                 </a:solidFill>
               </a:rPr>
               <a:t>静态织入</a:t>
             </a:r>
+            <a:endParaRPr sz="9000" cap="all" dirty="0">
+              <a:solidFill>
+                <a:srgbClr val="606060"/>
+              </a:solidFill>
+            </a:endParaRPr>
           </a:p>
         </p:txBody>
       </p:sp>
       <p:sp>
         <p:nvSpPr>
           <p:cNvPr id="67" name="Shape 67"/>
-          <p:cNvSpPr/>
+          <p:cNvSpPr>
+            <a:spLocks noGrp="1"/>
+          </p:cNvSpPr>
           <p:nvPr>
             <p:ph type="body" idx="1"/>
           </p:nvPr>
@@ -4979,11 +5165,60 @@
           <a:bodyPr/>
           <a:lstStyle/>
           <a:p>
+            <a:pPr lvl="0"/>
+            <a:r>
+              <a:rPr lang="zh-CN" altLang="en-US" dirty="0" smtClean="0"/>
+              <a:t>实现原理：</a:t>
+            </a:r>
+            <a:endParaRPr lang="en-US" altLang="zh-CN" dirty="0" smtClean="0"/>
+          </a:p>
+          <a:p>
+            <a:pPr lvl="2"/>
+            <a:r>
+              <a:rPr lang="zh-CN" altLang="en-US" dirty="0" smtClean="0"/>
+              <a:t>编译后完成后，通过工具修改字节码的方式来实现的</a:t>
+            </a:r>
+            <a:endParaRPr lang="en-US" altLang="zh-CN" dirty="0" smtClean="0"/>
+          </a:p>
+          <a:p>
+            <a:pPr lvl="0"/>
+            <a:r>
+              <a:rPr lang="zh-CN" altLang="en-US" dirty="0" smtClean="0"/>
+              <a:t>主要实现方式</a:t>
+            </a:r>
+            <a:endParaRPr lang="en-US" altLang="zh-CN" dirty="0" smtClean="0"/>
+          </a:p>
+          <a:p>
+            <a:pPr lvl="2"/>
+            <a:r>
+              <a:rPr lang="en-US" dirty="0" err="1" smtClean="0"/>
+              <a:t>.net</a:t>
+            </a:r>
+            <a:r>
+              <a:rPr lang="en-US" dirty="0" smtClean="0"/>
+              <a:t> </a:t>
+            </a:r>
+            <a:r>
+              <a:rPr lang="zh-CN" altLang="en-US" dirty="0" smtClean="0"/>
+              <a:t>静态织入主要是通过</a:t>
+            </a:r>
+            <a:r>
+              <a:rPr lang="en-US" altLang="zh-CN" dirty="0" err="1" smtClean="0"/>
+              <a:t>PostSharp</a:t>
+            </a:r>
+            <a:r>
+              <a:rPr lang="zh-CN" altLang="en-US" dirty="0" smtClean="0"/>
+              <a:t>来实现的。</a:t>
+            </a:r>
+            <a:endParaRPr lang="en-US" altLang="zh-CN" dirty="0" smtClean="0"/>
+          </a:p>
+          <a:p>
             <a:pPr lvl="0">
               <a:buBlip>
                 <a:blip r:embed="rId2"/>
               </a:buBlip>
             </a:pPr>
+            <a:endParaRPr dirty="0"/>
           </a:p>
         </p:txBody>
       </p:sp>
@@ -4992,12 +5227,84 @@
   <p:clrMapOvr>
     <a:masterClrMapping/>
   </p:clrMapOvr>
-  <p:transition spd="med" advClick="1"/>
+  <p:transition spd="med"/>
 </p:sld>
 </file>
 
-<file path=ppt/slides/slide5.xml><?xml version="1.0" encoding="utf-8"?>
-<p:sld xmlns:a="http://schemas.openxmlformats.org/drawingml/2006/main" xmlns:r="http://schemas.openxmlformats.org/officeDocument/2006/relationships" xmlns:p="http://schemas.openxmlformats.org/presentationml/2006/main" showMasterSp="1" showMasterPhAnim="1">
+<file path=ppt/slides/slide7.xml><?xml version="1.0" encoding="utf-8"?>
+<p:sld xmlns:a="http://schemas.openxmlformats.org/drawingml/2006/main" xmlns:r="http://schemas.openxmlformats.org/officeDocument/2006/relationships" xmlns:p="http://schemas.openxmlformats.org/presentationml/2006/main">
+  <p:cSld>
+    <p:spTree>
+      <p:nvGrpSpPr>
+        <p:cNvPr id="1" name=""/>
+        <p:cNvGrpSpPr/>
+        <p:nvPr/>
+      </p:nvGrpSpPr>
+      <p:grpSpPr>
+        <a:xfrm>
+          <a:off x="0" y="0"/>
+          <a:ext cx="0" cy="0"/>
+          <a:chOff x="0" y="0"/>
+          <a:chExt cx="0" cy="0"/>
+        </a:xfrm>
+      </p:grpSpPr>
+      <p:sp>
+        <p:nvSpPr>
+          <p:cNvPr id="2" name="标题 1"/>
+          <p:cNvSpPr>
+            <a:spLocks noGrp="1"/>
+          </p:cNvSpPr>
+          <p:nvPr>
+            <p:ph type="title"/>
+          </p:nvPr>
+        </p:nvSpPr>
+        <p:spPr/>
+        <p:txBody>
+          <a:bodyPr/>
+          <a:lstStyle/>
+          <a:p>
+            <a:r>
+              <a:rPr lang="en-US" altLang="zh-CN" dirty="0" err="1" smtClean="0"/>
+              <a:t>PostSharp</a:t>
+            </a:r>
+            <a:r>
+              <a:rPr lang="zh-CN" altLang="en-US" dirty="0" smtClean="0"/>
+              <a:t>实现的简单例子</a:t>
+            </a:r>
+            <a:endParaRPr lang="zh-CN" altLang="en-US" dirty="0"/>
+          </a:p>
+        </p:txBody>
+      </p:sp>
+      <p:sp>
+        <p:nvSpPr>
+          <p:cNvPr id="3" name="文本占位符 2"/>
+          <p:cNvSpPr>
+            <a:spLocks noGrp="1"/>
+          </p:cNvSpPr>
+          <p:nvPr>
+            <p:ph type="body" idx="1"/>
+          </p:nvPr>
+        </p:nvSpPr>
+        <p:spPr/>
+        <p:txBody>
+          <a:bodyPr/>
+          <a:lstStyle/>
+          <a:p>
+            <a:endParaRPr lang="zh-CN" altLang="en-US" dirty="0"/>
+          </a:p>
+        </p:txBody>
+      </p:sp>
+    </p:spTree>
+  </p:cSld>
+  <p:clrMapOvr>
+    <a:masterClrMapping/>
+  </p:clrMapOvr>
+  <p:transition spd="med"/>
+</p:sld>
+</file>
+
+<file path=ppt/slides/slide8.xml><?xml version="1.0" encoding="utf-8"?>
+<p:sld xmlns:a="http://schemas.openxmlformats.org/drawingml/2006/main" xmlns:r="http://schemas.openxmlformats.org/officeDocument/2006/relationships" xmlns:p="http://schemas.openxmlformats.org/presentationml/2006/main">
   <p:cSld>
     <p:spTree>
       <p:nvGrpSpPr>
@@ -5016,7 +5323,9 @@
       <p:sp>
         <p:nvSpPr>
           <p:cNvPr id="69" name="Shape 69"/>
-          <p:cNvSpPr/>
+          <p:cNvSpPr>
+            <a:spLocks noGrp="1"/>
+          </p:cNvSpPr>
           <p:nvPr>
             <p:ph type="title"/>
           </p:nvPr>
@@ -5031,45 +5340,154 @@
           <a:lstStyle/>
           <a:p>
             <a:pPr lvl="0">
-              <a:defRPr cap="none" sz="1800">
-                <a:solidFill>
-                  <a:srgbClr val="000000"/>
-                </a:solidFill>
-              </a:defRPr>
-            </a:pPr>
-            <a:r>
-              <a:rPr cap="all" sz="9000">
+              <a:defRPr sz="1800" cap="none">
+                <a:solidFill>
+                  <a:srgbClr val="000000"/>
+                </a:solidFill>
+              </a:defRPr>
+            </a:pPr>
+            <a:r>
+              <a:rPr sz="9000" cap="all" dirty="0" err="1">
                 <a:solidFill>
                   <a:srgbClr val="606060"/>
                 </a:solidFill>
               </a:rPr>
               <a:t>动态织入</a:t>
             </a:r>
+            <a:endParaRPr sz="9000" cap="all" dirty="0">
+              <a:solidFill>
+                <a:srgbClr val="606060"/>
+              </a:solidFill>
+            </a:endParaRPr>
           </a:p>
         </p:txBody>
       </p:sp>
       <p:sp>
         <p:nvSpPr>
           <p:cNvPr id="70" name="Shape 70"/>
-          <p:cNvSpPr/>
+          <p:cNvSpPr>
+            <a:spLocks noGrp="1"/>
+          </p:cNvSpPr>
           <p:nvPr>
             <p:ph type="body" idx="1"/>
           </p:nvPr>
         </p:nvSpPr>
         <p:spPr>
+          <a:xfrm>
+            <a:off x="952500" y="4267200"/>
+            <a:ext cx="22479000" cy="11159752"/>
+          </a:xfrm>
           <a:prstGeom prst="rect">
             <a:avLst/>
           </a:prstGeom>
         </p:spPr>
         <p:txBody>
-          <a:bodyPr/>
+          <a:bodyPr>
+            <a:normAutofit/>
+          </a:bodyPr>
           <a:lstStyle/>
+          <a:p>
+            <a:r>
+              <a:rPr lang="zh-CN" altLang="en-US" dirty="0" smtClean="0"/>
+              <a:t>实现原理</a:t>
+            </a:r>
+            <a:r>
+              <a:rPr lang="zh-CN" altLang="en-US" dirty="0" smtClean="0"/>
+              <a:t>：</a:t>
+            </a:r>
+            <a:endParaRPr lang="en-US" altLang="zh-CN" dirty="0" smtClean="0"/>
+          </a:p>
+          <a:p>
+            <a:pPr lvl="2"/>
+            <a:r>
+              <a:rPr lang="zh-CN" altLang="en-US" sz="3600" dirty="0" smtClean="0"/>
+              <a:t>运行时，动态创建目标对象的代理对象。通过代理对象调用目标对象的方法。</a:t>
+            </a:r>
+            <a:endParaRPr lang="en-US" altLang="zh-CN" sz="3600" dirty="0" smtClean="0"/>
+          </a:p>
+          <a:p>
+            <a:pPr marL="571500" lvl="2"/>
+            <a:r>
+              <a:rPr lang="zh-CN" altLang="en-US" dirty="0" smtClean="0"/>
+              <a:t>主要实现</a:t>
+            </a:r>
+            <a:r>
+              <a:rPr lang="zh-CN" altLang="en-US" dirty="0" smtClean="0"/>
+              <a:t>方式：</a:t>
+            </a:r>
+            <a:endParaRPr lang="en-US" altLang="zh-CN" dirty="0" smtClean="0"/>
+          </a:p>
+          <a:p>
+            <a:pPr marL="1714500" lvl="4"/>
+            <a:r>
+              <a:rPr lang="zh-CN" altLang="en-US" sz="3600" dirty="0" smtClean="0"/>
+              <a:t>通过微软企业库的</a:t>
+            </a:r>
+            <a:r>
+              <a:rPr lang="en-US" altLang="zh-CN" sz="3600" dirty="0" smtClean="0"/>
+              <a:t>Unity</a:t>
+            </a:r>
+            <a:r>
+              <a:rPr lang="zh-CN" altLang="en-US" sz="3600" dirty="0" smtClean="0"/>
+              <a:t>来实现</a:t>
+            </a:r>
+            <a:endParaRPr lang="en-US" altLang="zh-CN" sz="3600" dirty="0" smtClean="0"/>
+          </a:p>
+          <a:p>
+            <a:pPr marL="1714500" lvl="4"/>
+            <a:r>
+              <a:rPr lang="zh-CN" altLang="en-US" sz="3600" dirty="0" smtClean="0"/>
+              <a:t>通过</a:t>
+            </a:r>
+            <a:r>
+              <a:rPr lang="en-US" altLang="zh-CN" sz="3600" dirty="0" err="1" smtClean="0"/>
+              <a:t>Remoting</a:t>
+            </a:r>
+            <a:r>
+              <a:rPr lang="zh-CN" altLang="en-US" sz="3600" dirty="0" smtClean="0"/>
+              <a:t>来实现</a:t>
+            </a:r>
+            <a:endParaRPr lang="en-US" altLang="zh-CN" sz="3600" dirty="0" smtClean="0"/>
+          </a:p>
+          <a:p>
+            <a:pPr marL="1714500" lvl="4"/>
+            <a:r>
+              <a:rPr lang="zh-CN" altLang="en-US" sz="3600" dirty="0" smtClean="0"/>
+              <a:t>通过继承</a:t>
+            </a:r>
+            <a:r>
+              <a:rPr lang="en-US" altLang="zh-CN" sz="3600" dirty="0" err="1" smtClean="0"/>
+              <a:t>MarshalByRefObject</a:t>
+            </a:r>
+            <a:endParaRPr lang="en-US" altLang="zh-CN" sz="3600" dirty="0" smtClean="0"/>
+          </a:p>
+          <a:p>
+            <a:pPr marL="1714500" lvl="4"/>
+            <a:r>
+              <a:rPr lang="zh-CN" altLang="en-US" sz="3600" dirty="0" smtClean="0"/>
+              <a:t>通过</a:t>
+            </a:r>
+            <a:r>
+              <a:rPr lang="en-US" altLang="zh-CN" sz="3600" dirty="0" smtClean="0"/>
+              <a:t>Castle\</a:t>
+            </a:r>
+            <a:r>
+              <a:rPr lang="en-US" altLang="zh-CN" sz="3600" dirty="0" err="1" smtClean="0"/>
+              <a:t>DynamicProxy</a:t>
+            </a:r>
+            <a:endParaRPr lang="en-US" altLang="zh-CN" sz="3600" dirty="0" smtClean="0"/>
+          </a:p>
+          <a:p>
+            <a:pPr lvl="2"/>
+            <a:endParaRPr lang="en-US" altLang="zh-CN" dirty="0" smtClean="0"/>
+          </a:p>
           <a:p>
             <a:pPr lvl="0">
               <a:buBlip>
                 <a:blip r:embed="rId2"/>
               </a:buBlip>
             </a:pPr>
+            <a:endParaRPr dirty="0"/>
           </a:p>
         </p:txBody>
       </p:sp>
@@ -5078,226 +5496,12 @@
   <p:clrMapOvr>
     <a:masterClrMapping/>
   </p:clrMapOvr>
-  <p:transition spd="med" advClick="1"/>
+  <p:transition spd="med"/>
 </p:sld>
 </file>
 
-<file path=ppt/slides/slide6.xml><?xml version="1.0" encoding="utf-8"?>
-<p:sld xmlns:a="http://schemas.openxmlformats.org/drawingml/2006/main" xmlns:r="http://schemas.openxmlformats.org/officeDocument/2006/relationships" xmlns:p="http://schemas.openxmlformats.org/presentationml/2006/main" showMasterSp="1" showMasterPhAnim="1">
-  <p:cSld>
-    <p:spTree>
-      <p:nvGrpSpPr>
-        <p:cNvPr id="1" name=""/>
-        <p:cNvGrpSpPr/>
-        <p:nvPr/>
-      </p:nvGrpSpPr>
-      <p:grpSpPr>
-        <a:xfrm>
-          <a:off x="0" y="0"/>
-          <a:ext cx="0" cy="0"/>
-          <a:chOff x="0" y="0"/>
-          <a:chExt cx="0" cy="0"/>
-        </a:xfrm>
-      </p:grpSpPr>
-      <p:sp>
-        <p:nvSpPr>
-          <p:cNvPr id="72" name="Shape 72"/>
-          <p:cNvSpPr/>
-          <p:nvPr>
-            <p:ph type="title"/>
-          </p:nvPr>
-        </p:nvSpPr>
-        <p:spPr>
-          <a:xfrm>
-            <a:off x="1152368" y="939800"/>
-            <a:ext cx="22479001" cy="2679700"/>
-          </a:xfrm>
-          <a:prstGeom prst="rect">
-            <a:avLst/>
-          </a:prstGeom>
-        </p:spPr>
-        <p:txBody>
-          <a:bodyPr/>
-          <a:lstStyle/>
-          <a:p>
-            <a:pPr lvl="0">
-              <a:defRPr cap="none" sz="1800">
-                <a:solidFill>
-                  <a:srgbClr val="000000"/>
-                </a:solidFill>
-              </a:defRPr>
-            </a:pPr>
-            <a:r>
-              <a:rPr cap="all" sz="9000">
-                <a:solidFill>
-                  <a:srgbClr val="606060"/>
-                </a:solidFill>
-              </a:rPr>
-              <a:t>aop实现原理</a:t>
-            </a:r>
-          </a:p>
-        </p:txBody>
-      </p:sp>
-      <p:sp>
-        <p:nvSpPr>
-          <p:cNvPr id="73" name="Shape 73"/>
-          <p:cNvSpPr/>
-          <p:nvPr>
-            <p:ph type="body" idx="1"/>
-          </p:nvPr>
-        </p:nvSpPr>
-        <p:spPr>
-          <a:prstGeom prst="rect">
-            <a:avLst/>
-          </a:prstGeom>
-        </p:spPr>
-        <p:txBody>
-          <a:bodyPr/>
-          <a:lstStyle/>
-          <a:p>
-            <a:pPr lvl="0">
-              <a:buBlip>
-                <a:blip r:embed="rId2"/>
-              </a:buBlip>
-              <a:defRPr sz="1800">
-                <a:solidFill>
-                  <a:srgbClr val="000000"/>
-                </a:solidFill>
-              </a:defRPr>
-            </a:pPr>
-            <a:r>
-              <a:rPr sz="4600">
-                <a:solidFill>
-                  <a:srgbClr val="606060"/>
-                </a:solidFill>
-              </a:rPr>
-              <a:t>静态织入：编译后，通过修改IL代码的方式</a:t>
-            </a:r>
-            <a:endParaRPr sz="4600">
-              <a:solidFill>
-                <a:srgbClr val="606060"/>
-              </a:solidFill>
-            </a:endParaRPr>
-          </a:p>
-          <a:p>
-            <a:pPr lvl="0">
-              <a:buBlip>
-                <a:blip r:embed="rId2"/>
-              </a:buBlip>
-              <a:defRPr sz="1800">
-                <a:solidFill>
-                  <a:srgbClr val="000000"/>
-                </a:solidFill>
-              </a:defRPr>
-            </a:pPr>
-            <a:r>
-              <a:rPr sz="4600">
-                <a:solidFill>
-                  <a:srgbClr val="606060"/>
-                </a:solidFill>
-              </a:rPr>
-              <a:t>动态织入：生成动态代理</a:t>
-            </a:r>
-          </a:p>
-        </p:txBody>
-      </p:sp>
-    </p:spTree>
-  </p:cSld>
-  <p:clrMapOvr>
-    <a:masterClrMapping/>
-  </p:clrMapOvr>
-  <p:transition spd="med" advClick="1"/>
-</p:sld>
-</file>
-
-<file path=ppt/slides/slide7.xml><?xml version="1.0" encoding="utf-8"?>
-<p:sld xmlns:a="http://schemas.openxmlformats.org/drawingml/2006/main" xmlns:r="http://schemas.openxmlformats.org/officeDocument/2006/relationships" xmlns:p="http://schemas.openxmlformats.org/presentationml/2006/main" showMasterSp="1" showMasterPhAnim="1">
-  <p:cSld>
-    <p:spTree>
-      <p:nvGrpSpPr>
-        <p:cNvPr id="1" name=""/>
-        <p:cNvGrpSpPr/>
-        <p:nvPr/>
-      </p:nvGrpSpPr>
-      <p:grpSpPr>
-        <a:xfrm>
-          <a:off x="0" y="0"/>
-          <a:ext cx="0" cy="0"/>
-          <a:chOff x="0" y="0"/>
-          <a:chExt cx="0" cy="0"/>
-        </a:xfrm>
-      </p:grpSpPr>
-      <p:sp>
-        <p:nvSpPr>
-          <p:cNvPr id="75" name="Shape 75"/>
-          <p:cNvSpPr/>
-          <p:nvPr>
-            <p:ph type="title"/>
-          </p:nvPr>
-        </p:nvSpPr>
-        <p:spPr>
-          <a:prstGeom prst="rect">
-            <a:avLst/>
-          </a:prstGeom>
-        </p:spPr>
-        <p:txBody>
-          <a:bodyPr/>
-          <a:lstStyle/>
-          <a:p>
-            <a:pPr lvl="0">
-              <a:defRPr cap="none" sz="1800">
-                <a:solidFill>
-                  <a:srgbClr val="000000"/>
-                </a:solidFill>
-              </a:defRPr>
-            </a:pPr>
-            <a:r>
-              <a:rPr cap="all" sz="9000">
-                <a:solidFill>
-                  <a:srgbClr val="606060"/>
-                </a:solidFill>
-              </a:rPr>
-              <a:t>静态织入原理</a:t>
-            </a:r>
-          </a:p>
-        </p:txBody>
-      </p:sp>
-      <p:sp>
-        <p:nvSpPr>
-          <p:cNvPr id="76" name="Shape 76"/>
-          <p:cNvSpPr/>
-          <p:nvPr>
-            <p:ph type="body" idx="1"/>
-          </p:nvPr>
-        </p:nvSpPr>
-        <p:spPr>
-          <a:prstGeom prst="rect">
-            <a:avLst/>
-          </a:prstGeom>
-        </p:spPr>
-        <p:txBody>
-          <a:bodyPr/>
-          <a:lstStyle/>
-          <a:p>
-            <a:pPr lvl="0">
-              <a:buBlip>
-                <a:blip r:embed="rId2"/>
-              </a:buBlip>
-            </a:pPr>
-          </a:p>
-        </p:txBody>
-      </p:sp>
-    </p:spTree>
-  </p:cSld>
-  <p:clrMapOvr>
-    <a:masterClrMapping/>
-  </p:clrMapOvr>
-  <p:transition spd="med" advClick="1"/>
-</p:sld>
-</file>
-
-<file path=ppt/slides/slide8.xml><?xml version="1.0" encoding="utf-8"?>
-<p:sld xmlns:a="http://schemas.openxmlformats.org/drawingml/2006/main" xmlns:r="http://schemas.openxmlformats.org/officeDocument/2006/relationships" xmlns:p="http://schemas.openxmlformats.org/presentationml/2006/main" showMasterSp="1" showMasterPhAnim="1">
+<file path=ppt/slides/slide9.xml><?xml version="1.0" encoding="utf-8"?>
+<p:sld xmlns:a="http://schemas.openxmlformats.org/drawingml/2006/main" xmlns:r="http://schemas.openxmlformats.org/officeDocument/2006/relationships" xmlns:p="http://schemas.openxmlformats.org/presentationml/2006/main">
   <p:cSld>
     <p:spTree>
       <p:nvGrpSpPr>
@@ -5316,7 +5520,9 @@
       <p:sp>
         <p:nvSpPr>
           <p:cNvPr id="78" name="Shape 78"/>
-          <p:cNvSpPr/>
+          <p:cNvSpPr>
+            <a:spLocks noGrp="1"/>
+          </p:cNvSpPr>
           <p:nvPr>
             <p:ph type="title"/>
           </p:nvPr>
@@ -5331,27 +5537,34 @@
           <a:lstStyle/>
           <a:p>
             <a:pPr lvl="0">
-              <a:defRPr cap="none" sz="1800">
-                <a:solidFill>
-                  <a:srgbClr val="000000"/>
-                </a:solidFill>
-              </a:defRPr>
-            </a:pPr>
-            <a:r>
-              <a:rPr cap="all" sz="9000">
+              <a:defRPr sz="1800" cap="none">
+                <a:solidFill>
+                  <a:srgbClr val="000000"/>
+                </a:solidFill>
+              </a:defRPr>
+            </a:pPr>
+            <a:r>
+              <a:rPr sz="9000" cap="all" dirty="0" err="1">
                 <a:solidFill>
                   <a:srgbClr val="606060"/>
                 </a:solidFill>
               </a:rPr>
               <a:t>动态织入原理</a:t>
             </a:r>
+            <a:endParaRPr sz="9000" cap="all" dirty="0">
+              <a:solidFill>
+                <a:srgbClr val="606060"/>
+              </a:solidFill>
+            </a:endParaRPr>
           </a:p>
         </p:txBody>
       </p:sp>
       <p:sp>
         <p:nvSpPr>
           <p:cNvPr id="79" name="Shape 79"/>
-          <p:cNvSpPr/>
+          <p:cNvSpPr>
+            <a:spLocks noGrp="1"/>
+          </p:cNvSpPr>
           <p:nvPr>
             <p:ph type="body" idx="1"/>
           </p:nvPr>
@@ -5370,6 +5583,7 @@
                 <a:blip r:embed="rId2"/>
               </a:buBlip>
             </a:pPr>
+            <a:endParaRPr dirty="0"/>
           </a:p>
         </p:txBody>
       </p:sp>
@@ -5378,165 +5592,12 @@
   <p:clrMapOvr>
     <a:masterClrMapping/>
   </p:clrMapOvr>
-  <p:transition spd="med" advClick="1"/>
-</p:sld>
-</file>
-
-<file path=ppt/slides/slide9.xml><?xml version="1.0" encoding="utf-8"?>
-<p:sld xmlns:a="http://schemas.openxmlformats.org/drawingml/2006/main" xmlns:r="http://schemas.openxmlformats.org/officeDocument/2006/relationships" xmlns:p="http://schemas.openxmlformats.org/presentationml/2006/main" showMasterSp="1" showMasterPhAnim="1">
-  <p:cSld>
-    <p:spTree>
-      <p:nvGrpSpPr>
-        <p:cNvPr id="1" name=""/>
-        <p:cNvGrpSpPr/>
-        <p:nvPr/>
-      </p:nvGrpSpPr>
-      <p:grpSpPr>
-        <a:xfrm>
-          <a:off x="0" y="0"/>
-          <a:ext cx="0" cy="0"/>
-          <a:chOff x="0" y="0"/>
-          <a:chExt cx="0" cy="0"/>
-        </a:xfrm>
-      </p:grpSpPr>
-      <p:sp>
-        <p:nvSpPr>
-          <p:cNvPr id="81" name="Shape 81"/>
-          <p:cNvSpPr/>
-          <p:nvPr>
-            <p:ph type="title"/>
-          </p:nvPr>
-        </p:nvSpPr>
-        <p:spPr>
-          <a:xfrm>
-            <a:off x="952500" y="844550"/>
-            <a:ext cx="22479000" cy="2679700"/>
-          </a:xfrm>
-          <a:prstGeom prst="rect">
-            <a:avLst/>
-          </a:prstGeom>
-        </p:spPr>
-        <p:txBody>
-          <a:bodyPr/>
-          <a:lstStyle/>
-          <a:p>
-            <a:pPr lvl="0">
-              <a:defRPr cap="none" sz="1800">
-                <a:solidFill>
-                  <a:srgbClr val="000000"/>
-                </a:solidFill>
-              </a:defRPr>
-            </a:pPr>
-            <a:r>
-              <a:rPr cap="all" sz="9000">
-                <a:solidFill>
-                  <a:srgbClr val="606060"/>
-                </a:solidFill>
-              </a:rPr>
-              <a:t>aop能做什么</a:t>
-            </a:r>
-          </a:p>
-        </p:txBody>
-      </p:sp>
-      <p:sp>
-        <p:nvSpPr>
-          <p:cNvPr id="82" name="Shape 82"/>
-          <p:cNvSpPr/>
-          <p:nvPr>
-            <p:ph type="body" idx="1"/>
-          </p:nvPr>
-        </p:nvSpPr>
-        <p:spPr>
-          <a:prstGeom prst="rect">
-            <a:avLst/>
-          </a:prstGeom>
-        </p:spPr>
-        <p:txBody>
-          <a:bodyPr/>
-          <a:lstStyle/>
-          <a:p>
-            <a:pPr lvl="0">
-              <a:buBlip>
-                <a:blip r:embed="rId2"/>
-              </a:buBlip>
-              <a:defRPr sz="1800">
-                <a:solidFill>
-                  <a:srgbClr val="000000"/>
-                </a:solidFill>
-              </a:defRPr>
-            </a:pPr>
-            <a:r>
-              <a:rPr sz="4600">
-                <a:solidFill>
-                  <a:srgbClr val="606060"/>
-                </a:solidFill>
-              </a:rPr>
-              <a:t>事务</a:t>
-            </a:r>
-            <a:endParaRPr sz="4600">
-              <a:solidFill>
-                <a:srgbClr val="606060"/>
-              </a:solidFill>
-            </a:endParaRPr>
-          </a:p>
-          <a:p>
-            <a:pPr lvl="0">
-              <a:buBlip>
-                <a:blip r:embed="rId2"/>
-              </a:buBlip>
-              <a:defRPr sz="1800">
-                <a:solidFill>
-                  <a:srgbClr val="000000"/>
-                </a:solidFill>
-              </a:defRPr>
-            </a:pPr>
-            <a:r>
-              <a:rPr sz="4600">
-                <a:solidFill>
-                  <a:srgbClr val="606060"/>
-                </a:solidFill>
-              </a:rPr>
-              <a:t>日志</a:t>
-            </a:r>
-            <a:endParaRPr sz="4600">
-              <a:solidFill>
-                <a:srgbClr val="606060"/>
-              </a:solidFill>
-            </a:endParaRPr>
-          </a:p>
-          <a:p>
-            <a:pPr lvl="0">
-              <a:buBlip>
-                <a:blip r:embed="rId2"/>
-              </a:buBlip>
-              <a:defRPr sz="1800">
-                <a:solidFill>
-                  <a:srgbClr val="000000"/>
-                </a:solidFill>
-              </a:defRPr>
-            </a:pPr>
-            <a:r>
-              <a:rPr sz="4600">
-                <a:solidFill>
-                  <a:srgbClr val="606060"/>
-                </a:solidFill>
-              </a:rPr>
-              <a:t>权限验证</a:t>
-            </a:r>
-          </a:p>
-        </p:txBody>
-      </p:sp>
-    </p:spTree>
-  </p:cSld>
-  <p:clrMapOvr>
-    <a:masterClrMapping/>
-  </p:clrMapOvr>
-  <p:transition spd="med" advClick="1"/>
+  <p:transition spd="med"/>
 </p:sld>
 </file>
 
 <file path=ppt/theme/theme1.xml><?xml version="1.0" encoding="utf-8"?>
-<a:theme xmlns:a="http://schemas.openxmlformats.org/drawingml/2006/main" xmlns:r="http://schemas.openxmlformats.org/officeDocument/2006/relationships" name="New_Template3">
+<a:theme xmlns:a="http://schemas.openxmlformats.org/drawingml/2006/main" name="New_Template3">
   <a:themeElements>
     <a:clrScheme name="New_Template3">
       <a:dk1>
@@ -5665,7 +5726,7 @@
         </a:effectStyle>
         <a:effectStyle>
           <a:effectLst>
-            <a:outerShdw sx="100000" sy="100000" kx="0" ky="0" algn="b" rotWithShape="0" blurRad="50800" dist="25400" dir="5400000">
+            <a:outerShdw blurRad="50800" dist="25400" dir="5400000" rotWithShape="0">
               <a:srgbClr val="000000">
                 <a:alpha val="60000"/>
               </a:srgbClr>
@@ -5674,7 +5735,7 @@
         </a:effectStyle>
         <a:effectStyle>
           <a:effectLst>
-            <a:outerShdw sx="100000" sy="100000" kx="0" ky="0" algn="b" rotWithShape="0" blurRad="50800" dist="25400" dir="5400000">
+            <a:outerShdw blurRad="50800" dist="25400" dir="5400000" rotWithShape="0">
               <a:srgbClr val="000000">
                 <a:alpha val="60000"/>
               </a:srgbClr>
@@ -5738,8 +5799,8 @@
     <a:spDef>
       <a:spPr>
         <a:blipFill rotWithShape="1">
-          <a:blip r:embed="rId1"/>
-          <a:srcRect l="0" t="0" r="0" b="0"/>
+          <a:blip xmlns:r="http://schemas.openxmlformats.org/officeDocument/2006/relationships" r:embed="rId1"/>
+          <a:srcRect/>
           <a:tile tx="0" ty="0" sx="100000" sy="100000" flip="none" algn="tl"/>
         </a:blipFill>
         <a:ln w="12700" cap="flat">
@@ -5748,7 +5809,7 @@
         </a:ln>
         <a:effectLst/>
       </a:spPr>
-      <a:bodyPr rot="0" spcFirstLastPara="1" vertOverflow="overflow" horzOverflow="overflow" vert="horz" wrap="square" lIns="50800" tIns="50800" rIns="50800" bIns="50800" numCol="1" spcCol="38100" rtlCol="0" anchor="ctr" upright="0">
+      <a:bodyPr rot="0" spcFirstLastPara="1" vertOverflow="overflow" horzOverflow="overflow" vert="horz" wrap="square" lIns="50800" tIns="50800" rIns="50800" bIns="50800" numCol="1" spcCol="38100" rtlCol="0" anchor="ctr">
         <a:spAutoFit/>
       </a:bodyPr>
       <a:lstStyle>
@@ -5767,7 +5828,7 @@
           <a:buFontTx/>
           <a:buNone/>
           <a:tabLst/>
-          <a:defRPr b="0" baseline="0" cap="none" i="0" spc="0" strike="noStrike" sz="4200" u="none" kumimoji="0" normalizeH="0">
+          <a:defRPr kumimoji="0" sz="4200" b="0" i="0" u="none" strike="noStrike" cap="none" spc="0" normalizeH="0" baseline="0">
             <a:ln>
               <a:noFill/>
             </a:ln>
@@ -5775,7 +5836,7 @@
               <a:srgbClr val="FFFFFF"/>
             </a:solidFill>
             <a:effectLst>
-              <a:outerShdw sx="100000" sy="100000" kx="0" ky="0" algn="b" rotWithShape="0" blurRad="25400" dist="12700" dir="5400000">
+              <a:outerShdw blurRad="25400" dist="12700" dir="5400000" rotWithShape="0">
                 <a:srgbClr val="000000">
                   <a:alpha val="50000"/>
                 </a:srgbClr>
@@ -5803,7 +5864,7 @@
           <a:buFontTx/>
           <a:buNone/>
           <a:tabLst/>
-          <a:defRPr b="0" baseline="0" cap="none" i="0" spc="0" strike="noStrike" sz="1800" u="none" kumimoji="0" normalizeH="0">
+          <a:defRPr kumimoji="0" sz="1800" b="0" i="0" u="none" strike="noStrike" cap="none" spc="0" normalizeH="0" baseline="0">
             <a:ln>
               <a:noFill/>
             </a:ln>
@@ -5829,7 +5890,7 @@
           <a:buFontTx/>
           <a:buNone/>
           <a:tabLst/>
-          <a:defRPr b="0" baseline="0" cap="none" i="0" spc="0" strike="noStrike" sz="1800" u="none" kumimoji="0" normalizeH="0">
+          <a:defRPr kumimoji="0" sz="1800" b="0" i="0" u="none" strike="noStrike" cap="none" spc="0" normalizeH="0" baseline="0">
             <a:ln>
               <a:noFill/>
             </a:ln>
@@ -5855,7 +5916,7 @@
           <a:buFontTx/>
           <a:buNone/>
           <a:tabLst/>
-          <a:defRPr b="0" baseline="0" cap="none" i="0" spc="0" strike="noStrike" sz="1800" u="none" kumimoji="0" normalizeH="0">
+          <a:defRPr kumimoji="0" sz="1800" b="0" i="0" u="none" strike="noStrike" cap="none" spc="0" normalizeH="0" baseline="0">
             <a:ln>
               <a:noFill/>
             </a:ln>
@@ -5881,7 +5942,7 @@
           <a:buFontTx/>
           <a:buNone/>
           <a:tabLst/>
-          <a:defRPr b="0" baseline="0" cap="none" i="0" spc="0" strike="noStrike" sz="1800" u="none" kumimoji="0" normalizeH="0">
+          <a:defRPr kumimoji="0" sz="1800" b="0" i="0" u="none" strike="noStrike" cap="none" spc="0" normalizeH="0" baseline="0">
             <a:ln>
               <a:noFill/>
             </a:ln>
@@ -5907,7 +5968,7 @@
           <a:buFontTx/>
           <a:buNone/>
           <a:tabLst/>
-          <a:defRPr b="0" baseline="0" cap="none" i="0" spc="0" strike="noStrike" sz="1800" u="none" kumimoji="0" normalizeH="0">
+          <a:defRPr kumimoji="0" sz="1800" b="0" i="0" u="none" strike="noStrike" cap="none" spc="0" normalizeH="0" baseline="0">
             <a:ln>
               <a:noFill/>
             </a:ln>
@@ -5933,7 +5994,7 @@
           <a:buFontTx/>
           <a:buNone/>
           <a:tabLst/>
-          <a:defRPr b="0" baseline="0" cap="none" i="0" spc="0" strike="noStrike" sz="1800" u="none" kumimoji="0" normalizeH="0">
+          <a:defRPr kumimoji="0" sz="1800" b="0" i="0" u="none" strike="noStrike" cap="none" spc="0" normalizeH="0" baseline="0">
             <a:ln>
               <a:noFill/>
             </a:ln>
@@ -5959,7 +6020,7 @@
           <a:buFontTx/>
           <a:buNone/>
           <a:tabLst/>
-          <a:defRPr b="0" baseline="0" cap="none" i="0" spc="0" strike="noStrike" sz="1800" u="none" kumimoji="0" normalizeH="0">
+          <a:defRPr kumimoji="0" sz="1800" b="0" i="0" u="none" strike="noStrike" cap="none" spc="0" normalizeH="0" baseline="0">
             <a:ln>
               <a:noFill/>
             </a:ln>
@@ -5985,7 +6046,7 @@
           <a:buFontTx/>
           <a:buNone/>
           <a:tabLst/>
-          <a:defRPr b="0" baseline="0" cap="none" i="0" spc="0" strike="noStrike" sz="1800" u="none" kumimoji="0" normalizeH="0">
+          <a:defRPr kumimoji="0" sz="1800" b="0" i="0" u="none" strike="noStrike" cap="none" spc="0" normalizeH="0" baseline="0">
             <a:ln>
               <a:noFill/>
             </a:ln>
@@ -6011,7 +6072,7 @@
           <a:buFontTx/>
           <a:buNone/>
           <a:tabLst/>
-          <a:defRPr b="0" baseline="0" cap="none" i="0" spc="0" strike="noStrike" sz="1800" u="none" kumimoji="0" normalizeH="0">
+          <a:defRPr kumimoji="0" sz="1800" b="0" i="0" u="none" strike="noStrike" cap="none" spc="0" normalizeH="0" baseline="0">
             <a:ln>
               <a:noFill/>
             </a:ln>
@@ -6024,9 +6085,15 @@
         </a:lvl9pPr>
       </a:lstStyle>
       <a:style>
-        <a:lnRef idx="0"/>
-        <a:fillRef idx="0"/>
-        <a:effectRef idx="0"/>
+        <a:lnRef idx="0">
+          <a:scrgbClr r="0" g="0" b="0"/>
+        </a:lnRef>
+        <a:fillRef idx="0">
+          <a:scrgbClr r="0" g="0" b="0"/>
+        </a:fillRef>
+        <a:effectRef idx="0">
+          <a:scrgbClr r="0" g="0" b="0"/>
+        </a:effectRef>
         <a:fontRef idx="none"/>
       </a:style>
     </a:spDef>
@@ -6042,7 +6109,7 @@
         </a:ln>
         <a:effectLst/>
       </a:spPr>
-      <a:bodyPr rot="0" spcFirstLastPara="1" vertOverflow="overflow" horzOverflow="overflow" vert="horz" wrap="square" lIns="91439" tIns="45719" rIns="91439" bIns="45719" numCol="1" spcCol="38100" rtlCol="0" anchor="t" upright="0">
+      <a:bodyPr rot="0" spcFirstLastPara="1" vertOverflow="overflow" horzOverflow="overflow" vert="horz" wrap="square" lIns="91439" tIns="45719" rIns="91439" bIns="45719" numCol="1" spcCol="38100" rtlCol="0" anchor="t">
         <a:noAutofit/>
       </a:bodyPr>
       <a:lstStyle>
@@ -6061,7 +6128,7 @@
           <a:buFontTx/>
           <a:buNone/>
           <a:tabLst/>
-          <a:defRPr b="0" baseline="0" cap="none" i="0" spc="0" strike="noStrike" sz="1800" u="none" kumimoji="0" normalizeH="0">
+          <a:defRPr kumimoji="0" sz="1800" b="0" i="0" u="none" strike="noStrike" cap="none" spc="0" normalizeH="0" baseline="0">
             <a:ln>
               <a:noFill/>
             </a:ln>
@@ -6087,7 +6154,7 @@
           <a:buFontTx/>
           <a:buNone/>
           <a:tabLst/>
-          <a:defRPr b="0" baseline="0" cap="none" i="0" spc="0" strike="noStrike" sz="1800" u="none" kumimoji="0" normalizeH="0">
+          <a:defRPr kumimoji="0" sz="1800" b="0" i="0" u="none" strike="noStrike" cap="none" spc="0" normalizeH="0" baseline="0">
             <a:ln>
               <a:noFill/>
             </a:ln>
@@ -6113,7 +6180,7 @@
           <a:buFontTx/>
           <a:buNone/>
           <a:tabLst/>
-          <a:defRPr b="0" baseline="0" cap="none" i="0" spc="0" strike="noStrike" sz="1800" u="none" kumimoji="0" normalizeH="0">
+          <a:defRPr kumimoji="0" sz="1800" b="0" i="0" u="none" strike="noStrike" cap="none" spc="0" normalizeH="0" baseline="0">
             <a:ln>
               <a:noFill/>
             </a:ln>
@@ -6139,7 +6206,7 @@
           <a:buFontTx/>
           <a:buNone/>
           <a:tabLst/>
-          <a:defRPr b="0" baseline="0" cap="none" i="0" spc="0" strike="noStrike" sz="1800" u="none" kumimoji="0" normalizeH="0">
+          <a:defRPr kumimoji="0" sz="1800" b="0" i="0" u="none" strike="noStrike" cap="none" spc="0" normalizeH="0" baseline="0">
             <a:ln>
               <a:noFill/>
             </a:ln>
@@ -6165,7 +6232,7 @@
           <a:buFontTx/>
           <a:buNone/>
           <a:tabLst/>
-          <a:defRPr b="0" baseline="0" cap="none" i="0" spc="0" strike="noStrike" sz="1800" u="none" kumimoji="0" normalizeH="0">
+          <a:defRPr kumimoji="0" sz="1800" b="0" i="0" u="none" strike="noStrike" cap="none" spc="0" normalizeH="0" baseline="0">
             <a:ln>
               <a:noFill/>
             </a:ln>
@@ -6191,7 +6258,7 @@
           <a:buFontTx/>
           <a:buNone/>
           <a:tabLst/>
-          <a:defRPr b="0" baseline="0" cap="none" i="0" spc="0" strike="noStrike" sz="1800" u="none" kumimoji="0" normalizeH="0">
+          <a:defRPr kumimoji="0" sz="1800" b="0" i="0" u="none" strike="noStrike" cap="none" spc="0" normalizeH="0" baseline="0">
             <a:ln>
               <a:noFill/>
             </a:ln>
@@ -6217,7 +6284,7 @@
           <a:buFontTx/>
           <a:buNone/>
           <a:tabLst/>
-          <a:defRPr b="0" baseline="0" cap="none" i="0" spc="0" strike="noStrike" sz="1800" u="none" kumimoji="0" normalizeH="0">
+          <a:defRPr kumimoji="0" sz="1800" b="0" i="0" u="none" strike="noStrike" cap="none" spc="0" normalizeH="0" baseline="0">
             <a:ln>
               <a:noFill/>
             </a:ln>
@@ -6243,7 +6310,7 @@
           <a:buFontTx/>
           <a:buNone/>
           <a:tabLst/>
-          <a:defRPr b="0" baseline="0" cap="none" i="0" spc="0" strike="noStrike" sz="1800" u="none" kumimoji="0" normalizeH="0">
+          <a:defRPr kumimoji="0" sz="1800" b="0" i="0" u="none" strike="noStrike" cap="none" spc="0" normalizeH="0" baseline="0">
             <a:ln>
               <a:noFill/>
             </a:ln>
@@ -6269,7 +6336,7 @@
           <a:buFontTx/>
           <a:buNone/>
           <a:tabLst/>
-          <a:defRPr b="0" baseline="0" cap="none" i="0" spc="0" strike="noStrike" sz="1800" u="none" kumimoji="0" normalizeH="0">
+          <a:defRPr kumimoji="0" sz="1800" b="0" i="0" u="none" strike="noStrike" cap="none" spc="0" normalizeH="0" baseline="0">
             <a:ln>
               <a:noFill/>
             </a:ln>
@@ -6295,7 +6362,7 @@
           <a:buFontTx/>
           <a:buNone/>
           <a:tabLst/>
-          <a:defRPr b="0" baseline="0" cap="none" i="0" spc="0" strike="noStrike" sz="1800" u="none" kumimoji="0" normalizeH="0">
+          <a:defRPr kumimoji="0" sz="1800" b="0" i="0" u="none" strike="noStrike" cap="none" spc="0" normalizeH="0" baseline="0">
             <a:ln>
               <a:noFill/>
             </a:ln>
@@ -6308,9 +6375,15 @@
         </a:lvl9pPr>
       </a:lstStyle>
       <a:style>
-        <a:lnRef idx="0"/>
-        <a:fillRef idx="0"/>
-        <a:effectRef idx="0"/>
+        <a:lnRef idx="0">
+          <a:scrgbClr r="0" g="0" b="0"/>
+        </a:lnRef>
+        <a:fillRef idx="0">
+          <a:scrgbClr r="0" g="0" b="0"/>
+        </a:fillRef>
+        <a:effectRef idx="0">
+          <a:scrgbClr r="0" g="0" b="0"/>
+        </a:effectRef>
         <a:fontRef idx="none"/>
       </a:style>
     </a:lnDef>
@@ -6323,7 +6396,7 @@
         </a:ln>
         <a:effectLst/>
       </a:spPr>
-      <a:bodyPr rot="0" spcFirstLastPara="1" vertOverflow="overflow" horzOverflow="overflow" vert="horz" wrap="square" lIns="50800" tIns="50800" rIns="50800" bIns="50800" numCol="1" spcCol="38100" rtlCol="0" anchor="ctr" upright="0">
+      <a:bodyPr rot="0" spcFirstLastPara="1" vertOverflow="overflow" horzOverflow="overflow" vert="horz" wrap="square" lIns="50800" tIns="50800" rIns="50800" bIns="50800" numCol="1" spcCol="38100" rtlCol="0" anchor="ctr">
         <a:spAutoFit/>
       </a:bodyPr>
       <a:lstStyle>
@@ -6342,7 +6415,7 @@
           <a:buFontTx/>
           <a:buNone/>
           <a:tabLst/>
-          <a:defRPr b="0" baseline="0" cap="none" i="0" spc="0" strike="noStrike" sz="5000" u="none" kumimoji="0" normalizeH="0">
+          <a:defRPr kumimoji="0" sz="5000" b="0" i="0" u="none" strike="noStrike" cap="none" spc="0" normalizeH="0" baseline="0">
             <a:ln>
               <a:noFill/>
             </a:ln>
@@ -6372,7 +6445,7 @@
           <a:buFontTx/>
           <a:buNone/>
           <a:tabLst/>
-          <a:defRPr b="0" baseline="0" cap="none" i="0" spc="0" strike="noStrike" sz="1800" u="none" kumimoji="0" normalizeH="0">
+          <a:defRPr kumimoji="0" sz="1800" b="0" i="0" u="none" strike="noStrike" cap="none" spc="0" normalizeH="0" baseline="0">
             <a:ln>
               <a:noFill/>
             </a:ln>
@@ -6398,7 +6471,7 @@
           <a:buFontTx/>
           <a:buNone/>
           <a:tabLst/>
-          <a:defRPr b="0" baseline="0" cap="none" i="0" spc="0" strike="noStrike" sz="1800" u="none" kumimoji="0" normalizeH="0">
+          <a:defRPr kumimoji="0" sz="1800" b="0" i="0" u="none" strike="noStrike" cap="none" spc="0" normalizeH="0" baseline="0">
             <a:ln>
               <a:noFill/>
             </a:ln>
@@ -6424,7 +6497,7 @@
           <a:buFontTx/>
           <a:buNone/>
           <a:tabLst/>
-          <a:defRPr b="0" baseline="0" cap="none" i="0" spc="0" strike="noStrike" sz="1800" u="none" kumimoji="0" normalizeH="0">
+          <a:defRPr kumimoji="0" sz="1800" b="0" i="0" u="none" strike="noStrike" cap="none" spc="0" normalizeH="0" baseline="0">
             <a:ln>
               <a:noFill/>
             </a:ln>
@@ -6450,7 +6523,7 @@
           <a:buFontTx/>
           <a:buNone/>
           <a:tabLst/>
-          <a:defRPr b="0" baseline="0" cap="none" i="0" spc="0" strike="noStrike" sz="1800" u="none" kumimoji="0" normalizeH="0">
+          <a:defRPr kumimoji="0" sz="1800" b="0" i="0" u="none" strike="noStrike" cap="none" spc="0" normalizeH="0" baseline="0">
             <a:ln>
               <a:noFill/>
             </a:ln>
@@ -6476,7 +6549,7 @@
           <a:buFontTx/>
           <a:buNone/>
           <a:tabLst/>
-          <a:defRPr b="0" baseline="0" cap="none" i="0" spc="0" strike="noStrike" sz="1800" u="none" kumimoji="0" normalizeH="0">
+          <a:defRPr kumimoji="0" sz="1800" b="0" i="0" u="none" strike="noStrike" cap="none" spc="0" normalizeH="0" baseline="0">
             <a:ln>
               <a:noFill/>
             </a:ln>
@@ -6502,7 +6575,7 @@
           <a:buFontTx/>
           <a:buNone/>
           <a:tabLst/>
-          <a:defRPr b="0" baseline="0" cap="none" i="0" spc="0" strike="noStrike" sz="1800" u="none" kumimoji="0" normalizeH="0">
+          <a:defRPr kumimoji="0" sz="1800" b="0" i="0" u="none" strike="noStrike" cap="none" spc="0" normalizeH="0" baseline="0">
             <a:ln>
               <a:noFill/>
             </a:ln>
@@ -6528,7 +6601,7 @@
           <a:buFontTx/>
           <a:buNone/>
           <a:tabLst/>
-          <a:defRPr b="0" baseline="0" cap="none" i="0" spc="0" strike="noStrike" sz="1800" u="none" kumimoji="0" normalizeH="0">
+          <a:defRPr kumimoji="0" sz="1800" b="0" i="0" u="none" strike="noStrike" cap="none" spc="0" normalizeH="0" baseline="0">
             <a:ln>
               <a:noFill/>
             </a:ln>
@@ -6554,7 +6627,7 @@
           <a:buFontTx/>
           <a:buNone/>
           <a:tabLst/>
-          <a:defRPr b="0" baseline="0" cap="none" i="0" spc="0" strike="noStrike" sz="1800" u="none" kumimoji="0" normalizeH="0">
+          <a:defRPr kumimoji="0" sz="1800" b="0" i="0" u="none" strike="noStrike" cap="none" spc="0" normalizeH="0" baseline="0">
             <a:ln>
               <a:noFill/>
             </a:ln>
@@ -6580,7 +6653,7 @@
           <a:buFontTx/>
           <a:buNone/>
           <a:tabLst/>
-          <a:defRPr b="0" baseline="0" cap="none" i="0" spc="0" strike="noStrike" sz="1800" u="none" kumimoji="0" normalizeH="0">
+          <a:defRPr kumimoji="0" sz="1800" b="0" i="0" u="none" strike="noStrike" cap="none" spc="0" normalizeH="0" baseline="0">
             <a:ln>
               <a:noFill/>
             </a:ln>
@@ -6593,18 +6666,25 @@
         </a:lvl9pPr>
       </a:lstStyle>
       <a:style>
-        <a:lnRef idx="0"/>
-        <a:fillRef idx="0"/>
-        <a:effectRef idx="0"/>
+        <a:lnRef idx="0">
+          <a:scrgbClr r="0" g="0" b="0"/>
+        </a:lnRef>
+        <a:fillRef idx="0">
+          <a:scrgbClr r="0" g="0" b="0"/>
+        </a:fillRef>
+        <a:effectRef idx="0">
+          <a:scrgbClr r="0" g="0" b="0"/>
+        </a:effectRef>
         <a:fontRef idx="none"/>
       </a:style>
     </a:txDef>
   </a:objectDefaults>
+  <a:extraClrSchemeLst/>
 </a:theme>
 </file>
 
 <file path=ppt/theme/theme2.xml><?xml version="1.0" encoding="utf-8"?>
-<a:theme xmlns:a="http://schemas.openxmlformats.org/drawingml/2006/main" xmlns:r="http://schemas.openxmlformats.org/officeDocument/2006/relationships" name="New_Template3">
+<a:theme xmlns:a="http://schemas.openxmlformats.org/drawingml/2006/main" name="New_Template3">
   <a:themeElements>
     <a:clrScheme name="New_Template3">
       <a:dk1>
@@ -6733,7 +6813,7 @@
         </a:effectStyle>
         <a:effectStyle>
           <a:effectLst>
-            <a:outerShdw sx="100000" sy="100000" kx="0" ky="0" algn="b" rotWithShape="0" blurRad="50800" dist="25400" dir="5400000">
+            <a:outerShdw blurRad="50800" dist="25400" dir="5400000" rotWithShape="0">
               <a:srgbClr val="000000">
                 <a:alpha val="60000"/>
               </a:srgbClr>
@@ -6742,7 +6822,7 @@
         </a:effectStyle>
         <a:effectStyle>
           <a:effectLst>
-            <a:outerShdw sx="100000" sy="100000" kx="0" ky="0" algn="b" rotWithShape="0" blurRad="50800" dist="25400" dir="5400000">
+            <a:outerShdw blurRad="50800" dist="25400" dir="5400000" rotWithShape="0">
               <a:srgbClr val="000000">
                 <a:alpha val="60000"/>
               </a:srgbClr>
@@ -6806,8 +6886,8 @@
     <a:spDef>
       <a:spPr>
         <a:blipFill rotWithShape="1">
-          <a:blip r:embed="rId1"/>
-          <a:srcRect l="0" t="0" r="0" b="0"/>
+          <a:blip xmlns:r="http://schemas.openxmlformats.org/officeDocument/2006/relationships" r:embed="rId1"/>
+          <a:srcRect/>
           <a:tile tx="0" ty="0" sx="100000" sy="100000" flip="none" algn="tl"/>
         </a:blipFill>
         <a:ln w="12700" cap="flat">
@@ -6816,7 +6896,7 @@
         </a:ln>
         <a:effectLst/>
       </a:spPr>
-      <a:bodyPr rot="0" spcFirstLastPara="1" vertOverflow="overflow" horzOverflow="overflow" vert="horz" wrap="square" lIns="50800" tIns="50800" rIns="50800" bIns="50800" numCol="1" spcCol="38100" rtlCol="0" anchor="ctr" upright="0">
+      <a:bodyPr rot="0" spcFirstLastPara="1" vertOverflow="overflow" horzOverflow="overflow" vert="horz" wrap="square" lIns="50800" tIns="50800" rIns="50800" bIns="50800" numCol="1" spcCol="38100" rtlCol="0" anchor="ctr">
         <a:spAutoFit/>
       </a:bodyPr>
       <a:lstStyle>
@@ -6835,7 +6915,7 @@
           <a:buFontTx/>
           <a:buNone/>
           <a:tabLst/>
-          <a:defRPr b="0" baseline="0" cap="none" i="0" spc="0" strike="noStrike" sz="4200" u="none" kumimoji="0" normalizeH="0">
+          <a:defRPr kumimoji="0" sz="4200" b="0" i="0" u="none" strike="noStrike" cap="none" spc="0" normalizeH="0" baseline="0">
             <a:ln>
               <a:noFill/>
             </a:ln>
@@ -6843,7 +6923,7 @@
               <a:srgbClr val="FFFFFF"/>
             </a:solidFill>
             <a:effectLst>
-              <a:outerShdw sx="100000" sy="100000" kx="0" ky="0" algn="b" rotWithShape="0" blurRad="25400" dist="12700" dir="5400000">
+              <a:outerShdw blurRad="25400" dist="12700" dir="5400000" rotWithShape="0">
                 <a:srgbClr val="000000">
                   <a:alpha val="50000"/>
                 </a:srgbClr>
@@ -6871,7 +6951,7 @@
           <a:buFontTx/>
           <a:buNone/>
           <a:tabLst/>
-          <a:defRPr b="0" baseline="0" cap="none" i="0" spc="0" strike="noStrike" sz="1800" u="none" kumimoji="0" normalizeH="0">
+          <a:defRPr kumimoji="0" sz="1800" b="0" i="0" u="none" strike="noStrike" cap="none" spc="0" normalizeH="0" baseline="0">
             <a:ln>
               <a:noFill/>
             </a:ln>
@@ -6897,7 +6977,7 @@
           <a:buFontTx/>
           <a:buNone/>
           <a:tabLst/>
-          <a:defRPr b="0" baseline="0" cap="none" i="0" spc="0" strike="noStrike" sz="1800" u="none" kumimoji="0" normalizeH="0">
+          <a:defRPr kumimoji="0" sz="1800" b="0" i="0" u="none" strike="noStrike" cap="none" spc="0" normalizeH="0" baseline="0">
             <a:ln>
               <a:noFill/>
             </a:ln>
@@ -6923,7 +7003,7 @@
           <a:buFontTx/>
           <a:buNone/>
           <a:tabLst/>
-          <a:defRPr b="0" baseline="0" cap="none" i="0" spc="0" strike="noStrike" sz="1800" u="none" kumimoji="0" normalizeH="0">
+          <a:defRPr kumimoji="0" sz="1800" b="0" i="0" u="none" strike="noStrike" cap="none" spc="0" normalizeH="0" baseline="0">
             <a:ln>
               <a:noFill/>
             </a:ln>
@@ -6949,7 +7029,7 @@
           <a:buFontTx/>
           <a:buNone/>
           <a:tabLst/>
-          <a:defRPr b="0" baseline="0" cap="none" i="0" spc="0" strike="noStrike" sz="1800" u="none" kumimoji="0" normalizeH="0">
+          <a:defRPr kumimoji="0" sz="1800" b="0" i="0" u="none" strike="noStrike" cap="none" spc="0" normalizeH="0" baseline="0">
             <a:ln>
               <a:noFill/>
             </a:ln>
@@ -6975,7 +7055,7 @@
           <a:buFontTx/>
           <a:buNone/>
           <a:tabLst/>
-          <a:defRPr b="0" baseline="0" cap="none" i="0" spc="0" strike="noStrike" sz="1800" u="none" kumimoji="0" normalizeH="0">
+          <a:defRPr kumimoji="0" sz="1800" b="0" i="0" u="none" strike="noStrike" cap="none" spc="0" normalizeH="0" baseline="0">
             <a:ln>
               <a:noFill/>
             </a:ln>
@@ -7001,7 +7081,7 @@
           <a:buFontTx/>
           <a:buNone/>
           <a:tabLst/>
-          <a:defRPr b="0" baseline="0" cap="none" i="0" spc="0" strike="noStrike" sz="1800" u="none" kumimoji="0" normalizeH="0">
+          <a:defRPr kumimoji="0" sz="1800" b="0" i="0" u="none" strike="noStrike" cap="none" spc="0" normalizeH="0" baseline="0">
             <a:ln>
               <a:noFill/>
             </a:ln>
@@ -7027,7 +7107,7 @@
           <a:buFontTx/>
           <a:buNone/>
           <a:tabLst/>
-          <a:defRPr b="0" baseline="0" cap="none" i="0" spc="0" strike="noStrike" sz="1800" u="none" kumimoji="0" normalizeH="0">
+          <a:defRPr kumimoji="0" sz="1800" b="0" i="0" u="none" strike="noStrike" cap="none" spc="0" normalizeH="0" baseline="0">
             <a:ln>
               <a:noFill/>
             </a:ln>
@@ -7053,7 +7133,7 @@
           <a:buFontTx/>
           <a:buNone/>
           <a:tabLst/>
-          <a:defRPr b="0" baseline="0" cap="none" i="0" spc="0" strike="noStrike" sz="1800" u="none" kumimoji="0" normalizeH="0">
+          <a:defRPr kumimoji="0" sz="1800" b="0" i="0" u="none" strike="noStrike" cap="none" spc="0" normalizeH="0" baseline="0">
             <a:ln>
               <a:noFill/>
             </a:ln>
@@ -7079,7 +7159,7 @@
           <a:buFontTx/>
           <a:buNone/>
           <a:tabLst/>
-          <a:defRPr b="0" baseline="0" cap="none" i="0" spc="0" strike="noStrike" sz="1800" u="none" kumimoji="0" normalizeH="0">
+          <a:defRPr kumimoji="0" sz="1800" b="0" i="0" u="none" strike="noStrike" cap="none" spc="0" normalizeH="0" baseline="0">
             <a:ln>
               <a:noFill/>
             </a:ln>
@@ -7092,9 +7172,15 @@
         </a:lvl9pPr>
       </a:lstStyle>
       <a:style>
-        <a:lnRef idx="0"/>
-        <a:fillRef idx="0"/>
-        <a:effectRef idx="0"/>
+        <a:lnRef idx="0">
+          <a:scrgbClr r="0" g="0" b="0"/>
+        </a:lnRef>
+        <a:fillRef idx="0">
+          <a:scrgbClr r="0" g="0" b="0"/>
+        </a:fillRef>
+        <a:effectRef idx="0">
+          <a:scrgbClr r="0" g="0" b="0"/>
+        </a:effectRef>
         <a:fontRef idx="none"/>
       </a:style>
     </a:spDef>
@@ -7110,7 +7196,7 @@
         </a:ln>
         <a:effectLst/>
       </a:spPr>
-      <a:bodyPr rot="0" spcFirstLastPara="1" vertOverflow="overflow" horzOverflow="overflow" vert="horz" wrap="square" lIns="91439" tIns="45719" rIns="91439" bIns="45719" numCol="1" spcCol="38100" rtlCol="0" anchor="t" upright="0">
+      <a:bodyPr rot="0" spcFirstLastPara="1" vertOverflow="overflow" horzOverflow="overflow" vert="horz" wrap="square" lIns="91439" tIns="45719" rIns="91439" bIns="45719" numCol="1" spcCol="38100" rtlCol="0" anchor="t">
         <a:noAutofit/>
       </a:bodyPr>
       <a:lstStyle>
@@ -7129,7 +7215,7 @@
           <a:buFontTx/>
           <a:buNone/>
           <a:tabLst/>
-          <a:defRPr b="0" baseline="0" cap="none" i="0" spc="0" strike="noStrike" sz="1800" u="none" kumimoji="0" normalizeH="0">
+          <a:defRPr kumimoji="0" sz="1800" b="0" i="0" u="none" strike="noStrike" cap="none" spc="0" normalizeH="0" baseline="0">
             <a:ln>
               <a:noFill/>
             </a:ln>
@@ -7155,7 +7241,7 @@
           <a:buFontTx/>
           <a:buNone/>
           <a:tabLst/>
-          <a:defRPr b="0" baseline="0" cap="none" i="0" spc="0" strike="noStrike" sz="1800" u="none" kumimoji="0" normalizeH="0">
+          <a:defRPr kumimoji="0" sz="1800" b="0" i="0" u="none" strike="noStrike" cap="none" spc="0" normalizeH="0" baseline="0">
             <a:ln>
               <a:noFill/>
             </a:ln>
@@ -7181,7 +7267,7 @@
           <a:buFontTx/>
           <a:buNone/>
           <a:tabLst/>
-          <a:defRPr b="0" baseline="0" cap="none" i="0" spc="0" strike="noStrike" sz="1800" u="none" kumimoji="0" normalizeH="0">
+          <a:defRPr kumimoji="0" sz="1800" b="0" i="0" u="none" strike="noStrike" cap="none" spc="0" normalizeH="0" baseline="0">
             <a:ln>
               <a:noFill/>
             </a:ln>
@@ -7207,7 +7293,7 @@
           <a:buFontTx/>
           <a:buNone/>
           <a:tabLst/>
-          <a:defRPr b="0" baseline="0" cap="none" i="0" spc="0" strike="noStrike" sz="1800" u="none" kumimoji="0" normalizeH="0">
+          <a:defRPr kumimoji="0" sz="1800" b="0" i="0" u="none" strike="noStrike" cap="none" spc="0" normalizeH="0" baseline="0">
             <a:ln>
               <a:noFill/>
             </a:ln>
@@ -7233,7 +7319,7 @@
           <a:buFontTx/>
           <a:buNone/>
           <a:tabLst/>
-          <a:defRPr b="0" baseline="0" cap="none" i="0" spc="0" strike="noStrike" sz="1800" u="none" kumimoji="0" normalizeH="0">
+          <a:defRPr kumimoji="0" sz="1800" b="0" i="0" u="none" strike="noStrike" cap="none" spc="0" normalizeH="0" baseline="0">
             <a:ln>
               <a:noFill/>
             </a:ln>
@@ -7259,7 +7345,7 @@
           <a:buFontTx/>
           <a:buNone/>
           <a:tabLst/>
-          <a:defRPr b="0" baseline="0" cap="none" i="0" spc="0" strike="noStrike" sz="1800" u="none" kumimoji="0" normalizeH="0">
+          <a:defRPr kumimoji="0" sz="1800" b="0" i="0" u="none" strike="noStrike" cap="none" spc="0" normalizeH="0" baseline="0">
             <a:ln>
               <a:noFill/>
             </a:ln>
@@ -7285,7 +7371,7 @@
           <a:buFontTx/>
           <a:buNone/>
           <a:tabLst/>
-          <a:defRPr b="0" baseline="0" cap="none" i="0" spc="0" strike="noStrike" sz="1800" u="none" kumimoji="0" normalizeH="0">
+          <a:defRPr kumimoji="0" sz="1800" b="0" i="0" u="none" strike="noStrike" cap="none" spc="0" normalizeH="0" baseline="0">
             <a:ln>
               <a:noFill/>
             </a:ln>
@@ -7311,7 +7397,7 @@
           <a:buFontTx/>
           <a:buNone/>
           <a:tabLst/>
-          <a:defRPr b="0" baseline="0" cap="none" i="0" spc="0" strike="noStrike" sz="1800" u="none" kumimoji="0" normalizeH="0">
+          <a:defRPr kumimoji="0" sz="1800" b="0" i="0" u="none" strike="noStrike" cap="none" spc="0" normalizeH="0" baseline="0">
             <a:ln>
               <a:noFill/>
             </a:ln>
@@ -7337,7 +7423,7 @@
           <a:buFontTx/>
           <a:buNone/>
           <a:tabLst/>
-          <a:defRPr b="0" baseline="0" cap="none" i="0" spc="0" strike="noStrike" sz="1800" u="none" kumimoji="0" normalizeH="0">
+          <a:defRPr kumimoji="0" sz="1800" b="0" i="0" u="none" strike="noStrike" cap="none" spc="0" normalizeH="0" baseline="0">
             <a:ln>
               <a:noFill/>
             </a:ln>
@@ -7363,7 +7449,7 @@
           <a:buFontTx/>
           <a:buNone/>
           <a:tabLst/>
-          <a:defRPr b="0" baseline="0" cap="none" i="0" spc="0" strike="noStrike" sz="1800" u="none" kumimoji="0" normalizeH="0">
+          <a:defRPr kumimoji="0" sz="1800" b="0" i="0" u="none" strike="noStrike" cap="none" spc="0" normalizeH="0" baseline="0">
             <a:ln>
               <a:noFill/>
             </a:ln>
@@ -7376,9 +7462,15 @@
         </a:lvl9pPr>
       </a:lstStyle>
       <a:style>
-        <a:lnRef idx="0"/>
-        <a:fillRef idx="0"/>
-        <a:effectRef idx="0"/>
+        <a:lnRef idx="0">
+          <a:scrgbClr r="0" g="0" b="0"/>
+        </a:lnRef>
+        <a:fillRef idx="0">
+          <a:scrgbClr r="0" g="0" b="0"/>
+        </a:fillRef>
+        <a:effectRef idx="0">
+          <a:scrgbClr r="0" g="0" b="0"/>
+        </a:effectRef>
         <a:fontRef idx="none"/>
       </a:style>
     </a:lnDef>
@@ -7391,7 +7483,7 @@
         </a:ln>
         <a:effectLst/>
       </a:spPr>
-      <a:bodyPr rot="0" spcFirstLastPara="1" vertOverflow="overflow" horzOverflow="overflow" vert="horz" wrap="square" lIns="50800" tIns="50800" rIns="50800" bIns="50800" numCol="1" spcCol="38100" rtlCol="0" anchor="ctr" upright="0">
+      <a:bodyPr rot="0" spcFirstLastPara="1" vertOverflow="overflow" horzOverflow="overflow" vert="horz" wrap="square" lIns="50800" tIns="50800" rIns="50800" bIns="50800" numCol="1" spcCol="38100" rtlCol="0" anchor="ctr">
         <a:spAutoFit/>
       </a:bodyPr>
       <a:lstStyle>
@@ -7410,7 +7502,7 @@
           <a:buFontTx/>
           <a:buNone/>
           <a:tabLst/>
-          <a:defRPr b="0" baseline="0" cap="none" i="0" spc="0" strike="noStrike" sz="5000" u="none" kumimoji="0" normalizeH="0">
+          <a:defRPr kumimoji="0" sz="5000" b="0" i="0" u="none" strike="noStrike" cap="none" spc="0" normalizeH="0" baseline="0">
             <a:ln>
               <a:noFill/>
             </a:ln>
@@ -7440,7 +7532,7 @@
           <a:buFontTx/>
           <a:buNone/>
           <a:tabLst/>
-          <a:defRPr b="0" baseline="0" cap="none" i="0" spc="0" strike="noStrike" sz="1800" u="none" kumimoji="0" normalizeH="0">
+          <a:defRPr kumimoji="0" sz="1800" b="0" i="0" u="none" strike="noStrike" cap="none" spc="0" normalizeH="0" baseline="0">
             <a:ln>
               <a:noFill/>
             </a:ln>
@@ -7466,7 +7558,7 @@
           <a:buFontTx/>
           <a:buNone/>
           <a:tabLst/>
-          <a:defRPr b="0" baseline="0" cap="none" i="0" spc="0" strike="noStrike" sz="1800" u="none" kumimoji="0" normalizeH="0">
+          <a:defRPr kumimoji="0" sz="1800" b="0" i="0" u="none" strike="noStrike" cap="none" spc="0" normalizeH="0" baseline="0">
             <a:ln>
               <a:noFill/>
             </a:ln>
@@ -7492,7 +7584,7 @@
           <a:buFontTx/>
           <a:buNone/>
           <a:tabLst/>
-          <a:defRPr b="0" baseline="0" cap="none" i="0" spc="0" strike="noStrike" sz="1800" u="none" kumimoji="0" normalizeH="0">
+          <a:defRPr kumimoji="0" sz="1800" b="0" i="0" u="none" strike="noStrike" cap="none" spc="0" normalizeH="0" baseline="0">
             <a:ln>
               <a:noFill/>
             </a:ln>
@@ -7518,7 +7610,7 @@
           <a:buFontTx/>
           <a:buNone/>
           <a:tabLst/>
-          <a:defRPr b="0" baseline="0" cap="none" i="0" spc="0" strike="noStrike" sz="1800" u="none" kumimoji="0" normalizeH="0">
+          <a:defRPr kumimoji="0" sz="1800" b="0" i="0" u="none" strike="noStrike" cap="none" spc="0" normalizeH="0" baseline="0">
             <a:ln>
               <a:noFill/>
             </a:ln>
@@ -7544,7 +7636,7 @@
           <a:buFontTx/>
           <a:buNone/>
           <a:tabLst/>
-          <a:defRPr b="0" baseline="0" cap="none" i="0" spc="0" strike="noStrike" sz="1800" u="none" kumimoji="0" normalizeH="0">
+          <a:defRPr kumimoji="0" sz="1800" b="0" i="0" u="none" strike="noStrike" cap="none" spc="0" normalizeH="0" baseline="0">
             <a:ln>
               <a:noFill/>
             </a:ln>
@@ -7570,7 +7662,7 @@
           <a:buFontTx/>
           <a:buNone/>
           <a:tabLst/>
-          <a:defRPr b="0" baseline="0" cap="none" i="0" spc="0" strike="noStrike" sz="1800" u="none" kumimoji="0" normalizeH="0">
+          <a:defRPr kumimoji="0" sz="1800" b="0" i="0" u="none" strike="noStrike" cap="none" spc="0" normalizeH="0" baseline="0">
             <a:ln>
               <a:noFill/>
             </a:ln>
@@ -7596,7 +7688,7 @@
           <a:buFontTx/>
           <a:buNone/>
           <a:tabLst/>
-          <a:defRPr b="0" baseline="0" cap="none" i="0" spc="0" strike="noStrike" sz="1800" u="none" kumimoji="0" normalizeH="0">
+          <a:defRPr kumimoji="0" sz="1800" b="0" i="0" u="none" strike="noStrike" cap="none" spc="0" normalizeH="0" baseline="0">
             <a:ln>
               <a:noFill/>
             </a:ln>
@@ -7622,7 +7714,7 @@
           <a:buFontTx/>
           <a:buNone/>
           <a:tabLst/>
-          <a:defRPr b="0" baseline="0" cap="none" i="0" spc="0" strike="noStrike" sz="1800" u="none" kumimoji="0" normalizeH="0">
+          <a:defRPr kumimoji="0" sz="1800" b="0" i="0" u="none" strike="noStrike" cap="none" spc="0" normalizeH="0" baseline="0">
             <a:ln>
               <a:noFill/>
             </a:ln>
@@ -7648,7 +7740,7 @@
           <a:buFontTx/>
           <a:buNone/>
           <a:tabLst/>
-          <a:defRPr b="0" baseline="0" cap="none" i="0" spc="0" strike="noStrike" sz="1800" u="none" kumimoji="0" normalizeH="0">
+          <a:defRPr kumimoji="0" sz="1800" b="0" i="0" u="none" strike="noStrike" cap="none" spc="0" normalizeH="0" baseline="0">
             <a:ln>
               <a:noFill/>
             </a:ln>
@@ -7661,12 +7753,19 @@
         </a:lvl9pPr>
       </a:lstStyle>
       <a:style>
-        <a:lnRef idx="0"/>
-        <a:fillRef idx="0"/>
-        <a:effectRef idx="0"/>
+        <a:lnRef idx="0">
+          <a:scrgbClr r="0" g="0" b="0"/>
+        </a:lnRef>
+        <a:fillRef idx="0">
+          <a:scrgbClr r="0" g="0" b="0"/>
+        </a:fillRef>
+        <a:effectRef idx="0">
+          <a:scrgbClr r="0" g="0" b="0"/>
+        </a:effectRef>
         <a:fontRef idx="none"/>
       </a:style>
     </a:txDef>
   </a:objectDefaults>
+  <a:extraClrSchemeLst/>
 </a:theme>
 </file>